--- a/textemp_apris2019/image/プレゼンテーション3.pptx
+++ b/textemp_apris2019/image/プレゼンテーション3.pptx
@@ -107,6 +107,11 @@
       </a:defRPr>
     </a:lvl9pPr>
   </p:defaultTextStyle>
+  <p:extLst>
+    <p:ext uri="{EFAFB233-063F-42B5-8137-9DF3F51BA10A}">
+      <p15:sldGuideLst xmlns:p15="http://schemas.microsoft.com/office/powerpoint/2012/main"/>
+    </p:ext>
+  </p:extLst>
 </p:presentation>
 </file>
 
@@ -4606,6 +4611,1089 @@
                 <a:extLst>
                   <a:ext uri="{0D108BD9-81ED-4DB2-BD59-A6C34878D82A}">
                     <a16:rowId xmlns:a16="http://schemas.microsoft.com/office/drawing/2014/main" val="2664739640"/>
+                  </a:ext>
+                </a:extLst>
+              </a:tr>
+            </a:tbl>
+          </a:graphicData>
+        </a:graphic>
+      </p:graphicFrame>
+      <p:graphicFrame>
+        <p:nvGraphicFramePr>
+          <p:cNvPr id="5" name="表 4">
+            <a:extLst>
+              <a:ext uri="{FF2B5EF4-FFF2-40B4-BE49-F238E27FC236}">
+                <a16:creationId xmlns:a16="http://schemas.microsoft.com/office/drawing/2014/main" id="{FBF77650-C55E-D647-9DDD-389E68308322}"/>
+              </a:ext>
+            </a:extLst>
+          </p:cNvPr>
+          <p:cNvGraphicFramePr>
+            <a:graphicFrameLocks noGrp="1"/>
+          </p:cNvGraphicFramePr>
+          <p:nvPr>
+            <p:extLst>
+              <p:ext uri="{D42A27DB-BD31-4B8C-83A1-F6EECF244321}">
+                <p14:modId xmlns:p14="http://schemas.microsoft.com/office/powerpoint/2010/main" val="2618381532"/>
+              </p:ext>
+            </p:extLst>
+          </p:nvPr>
+        </p:nvGraphicFramePr>
+        <p:xfrm>
+          <a:off x="1035050" y="190579"/>
+          <a:ext cx="4127500" cy="2806700"/>
+        </p:xfrm>
+        <a:graphic>
+          <a:graphicData uri="http://schemas.openxmlformats.org/drawingml/2006/table">
+            <a:tbl>
+              <a:tblPr/>
+              <a:tblGrid>
+                <a:gridCol w="2234937">
+                  <a:extLst>
+                    <a:ext uri="{9D8B030D-6E8A-4147-A177-3AD203B41FA5}">
+                      <a16:colId xmlns:a16="http://schemas.microsoft.com/office/drawing/2014/main" val="659977193"/>
+                    </a:ext>
+                  </a:extLst>
+                </a:gridCol>
+                <a:gridCol w="1892563">
+                  <a:extLst>
+                    <a:ext uri="{9D8B030D-6E8A-4147-A177-3AD203B41FA5}">
+                      <a16:colId xmlns:a16="http://schemas.microsoft.com/office/drawing/2014/main" val="2035818519"/>
+                    </a:ext>
+                  </a:extLst>
+                </a:gridCol>
+              </a:tblGrid>
+              <a:tr h="266700">
+                <a:tc>
+                  <a:txBody>
+                    <a:bodyPr/>
+                    <a:lstStyle/>
+                    <a:p>
+                      <a:pPr algn="l" fontAlgn="ctr"/>
+                      <a:r>
+                        <a:rPr lang="en-US" sz="1200" b="1" i="0" u="none" strike="noStrike" dirty="0">
+                          <a:solidFill>
+                            <a:srgbClr val="000000"/>
+                          </a:solidFill>
+                          <a:effectLst/>
+                          <a:latin typeface="游ゴシック" panose="020B0400000000000000" pitchFamily="34" charset="-128"/>
+                          <a:ea typeface="游ゴシック" panose="020B0400000000000000" pitchFamily="34" charset="-128"/>
+                        </a:rPr>
+                        <a:t>Before</a:t>
+                      </a:r>
+                    </a:p>
+                  </a:txBody>
+                  <a:tcPr marL="9525" marR="9525" marT="9525" marB="0" anchor="ctr">
+                    <a:lnL>
+                      <a:noFill/>
+                    </a:lnL>
+                    <a:lnR w="6350" cap="flat" cmpd="sng" algn="ctr">
+                      <a:solidFill>
+                        <a:srgbClr val="000000"/>
+                      </a:solidFill>
+                      <a:prstDash val="solid"/>
+                      <a:round/>
+                      <a:headEnd type="none" w="med" len="med"/>
+                      <a:tailEnd type="none" w="med" len="med"/>
+                    </a:lnR>
+                    <a:lnT w="25400" cap="flat" cmpd="dbl" algn="ctr">
+                      <a:solidFill>
+                        <a:srgbClr val="000000"/>
+                      </a:solidFill>
+                      <a:prstDash val="solid"/>
+                      <a:round/>
+                      <a:headEnd type="none" w="med" len="med"/>
+                      <a:tailEnd type="none" w="med" len="med"/>
+                    </a:lnT>
+                    <a:lnB w="6350" cap="flat" cmpd="sng" algn="ctr">
+                      <a:solidFill>
+                        <a:srgbClr val="000000"/>
+                      </a:solidFill>
+                      <a:prstDash val="solid"/>
+                      <a:round/>
+                      <a:headEnd type="none" w="med" len="med"/>
+                      <a:tailEnd type="none" w="med" len="med"/>
+                    </a:lnB>
+                  </a:tcPr>
+                </a:tc>
+                <a:tc>
+                  <a:txBody>
+                    <a:bodyPr/>
+                    <a:lstStyle/>
+                    <a:p>
+                      <a:pPr algn="l" fontAlgn="ctr"/>
+                      <a:r>
+                        <a:rPr lang="en-US" sz="1200" b="1" i="0" u="none" strike="noStrike" dirty="0">
+                          <a:solidFill>
+                            <a:srgbClr val="000000"/>
+                          </a:solidFill>
+                          <a:effectLst/>
+                          <a:latin typeface="游ゴシック" panose="020B0400000000000000" pitchFamily="34" charset="-128"/>
+                          <a:ea typeface="游ゴシック" panose="020B0400000000000000" pitchFamily="34" charset="-128"/>
+                        </a:rPr>
+                        <a:t>After</a:t>
+                      </a:r>
+                    </a:p>
+                  </a:txBody>
+                  <a:tcPr marL="9525" marR="9525" marT="9525" marB="0" anchor="ctr">
+                    <a:lnL w="6350" cap="flat" cmpd="sng" algn="ctr">
+                      <a:solidFill>
+                        <a:srgbClr val="000000"/>
+                      </a:solidFill>
+                      <a:prstDash val="solid"/>
+                      <a:round/>
+                      <a:headEnd type="none" w="med" len="med"/>
+                      <a:tailEnd type="none" w="med" len="med"/>
+                    </a:lnL>
+                    <a:lnR>
+                      <a:noFill/>
+                    </a:lnR>
+                    <a:lnT w="25400" cap="flat" cmpd="dbl" algn="ctr">
+                      <a:solidFill>
+                        <a:srgbClr val="000000"/>
+                      </a:solidFill>
+                      <a:prstDash val="solid"/>
+                      <a:round/>
+                      <a:headEnd type="none" w="med" len="med"/>
+                      <a:tailEnd type="none" w="med" len="med"/>
+                    </a:lnT>
+                    <a:lnB w="6350" cap="flat" cmpd="sng" algn="ctr">
+                      <a:solidFill>
+                        <a:srgbClr val="000000"/>
+                      </a:solidFill>
+                      <a:prstDash val="solid"/>
+                      <a:round/>
+                      <a:headEnd type="none" w="med" len="med"/>
+                      <a:tailEnd type="none" w="med" len="med"/>
+                    </a:lnB>
+                  </a:tcPr>
+                </a:tc>
+                <a:extLst>
+                  <a:ext uri="{0D108BD9-81ED-4DB2-BD59-A6C34878D82A}">
+                    <a16:rowId xmlns:a16="http://schemas.microsoft.com/office/drawing/2014/main" val="1658740808"/>
+                  </a:ext>
+                </a:extLst>
+              </a:tr>
+              <a:tr h="254000">
+                <a:tc>
+                  <a:txBody>
+                    <a:bodyPr/>
+                    <a:lstStyle/>
+                    <a:p>
+                      <a:pPr algn="l" fontAlgn="ctr"/>
+                      <a:r>
+                        <a:rPr lang="en-US" sz="1200" b="0" i="0" u="none" strike="noStrike" dirty="0" err="1">
+                          <a:solidFill>
+                            <a:srgbClr val="000000"/>
+                          </a:solidFill>
+                          <a:effectLst/>
+                          <a:latin typeface="游ゴシック" panose="020B0400000000000000" pitchFamily="34" charset="-128"/>
+                          <a:ea typeface="游ゴシック" panose="020B0400000000000000" pitchFamily="34" charset="-128"/>
+                        </a:rPr>
+                        <a:t>ext</a:t>
+                      </a:r>
+                      <a:r>
+                        <a:rPr lang="en-US" sz="1200" b="0" i="0" u="none" strike="noStrike" dirty="0">
+                          <a:solidFill>
+                            <a:srgbClr val="000000"/>
+                          </a:solidFill>
+                          <a:effectLst/>
+                          <a:latin typeface="游ゴシック" panose="020B0400000000000000" pitchFamily="34" charset="-128"/>
+                          <a:ea typeface="游ゴシック" panose="020B0400000000000000" pitchFamily="34" charset="-128"/>
+                        </a:rPr>
+                        <a:t>| get| </a:t>
+                      </a:r>
+                      <a:r>
+                        <a:rPr lang="en-US" sz="1200" b="0" i="0" u="none" strike="noStrike" dirty="0" err="1">
+                          <a:solidFill>
+                            <a:srgbClr val="000000"/>
+                          </a:solidFill>
+                          <a:effectLst/>
+                          <a:latin typeface="游ゴシック" panose="020B0400000000000000" pitchFamily="34" charset="-128"/>
+                          <a:ea typeface="游ゴシック" panose="020B0400000000000000" pitchFamily="34" charset="-128"/>
+                        </a:rPr>
+                        <a:t>nojoumal</a:t>
+                      </a:r>
+                      <a:endParaRPr lang="en-US" sz="1200" b="0" i="0" u="none" strike="noStrike" dirty="0">
+                        <a:solidFill>
+                          <a:srgbClr val="000000"/>
+                        </a:solidFill>
+                        <a:effectLst/>
+                        <a:latin typeface="游ゴシック" panose="020B0400000000000000" pitchFamily="34" charset="-128"/>
+                        <a:ea typeface="游ゴシック" panose="020B0400000000000000" pitchFamily="34" charset="-128"/>
+                      </a:endParaRPr>
+                    </a:p>
+                  </a:txBody>
+                  <a:tcPr marL="9525" marR="9525" marT="9525" marB="0" anchor="ctr">
+                    <a:lnL>
+                      <a:noFill/>
+                    </a:lnL>
+                    <a:lnR w="6350" cap="flat" cmpd="sng" algn="ctr">
+                      <a:solidFill>
+                        <a:srgbClr val="000000"/>
+                      </a:solidFill>
+                      <a:prstDash val="solid"/>
+                      <a:round/>
+                      <a:headEnd type="none" w="med" len="med"/>
+                      <a:tailEnd type="none" w="med" len="med"/>
+                    </a:lnR>
+                    <a:lnT w="6350" cap="flat" cmpd="sng" algn="ctr">
+                      <a:solidFill>
+                        <a:srgbClr val="000000"/>
+                      </a:solidFill>
+                      <a:prstDash val="solid"/>
+                      <a:round/>
+                      <a:headEnd type="none" w="med" len="med"/>
+                      <a:tailEnd type="none" w="med" len="med"/>
+                    </a:lnT>
+                    <a:lnB>
+                      <a:noFill/>
+                    </a:lnB>
+                  </a:tcPr>
+                </a:tc>
+                <a:tc>
+                  <a:txBody>
+                    <a:bodyPr/>
+                    <a:lstStyle/>
+                    <a:p>
+                      <a:pPr algn="l" fontAlgn="ctr"/>
+                      <a:r>
+                        <a:rPr lang="en-US" sz="1200" b="0" i="0" u="none" strike="noStrike">
+                          <a:solidFill>
+                            <a:srgbClr val="000000"/>
+                          </a:solidFill>
+                          <a:effectLst/>
+                          <a:latin typeface="游ゴシック" panose="020B0400000000000000" pitchFamily="34" charset="-128"/>
+                          <a:ea typeface="游ゴシック" panose="020B0400000000000000" pitchFamily="34" charset="-128"/>
+                        </a:rPr>
+                        <a:t>get| nojoumal</a:t>
+                      </a:r>
+                    </a:p>
+                  </a:txBody>
+                  <a:tcPr marL="9525" marR="9525" marT="9525" marB="0" anchor="ctr">
+                    <a:lnL w="6350" cap="flat" cmpd="sng" algn="ctr">
+                      <a:solidFill>
+                        <a:srgbClr val="000000"/>
+                      </a:solidFill>
+                      <a:prstDash val="solid"/>
+                      <a:round/>
+                      <a:headEnd type="none" w="med" len="med"/>
+                      <a:tailEnd type="none" w="med" len="med"/>
+                    </a:lnL>
+                    <a:lnR>
+                      <a:noFill/>
+                    </a:lnR>
+                    <a:lnT w="6350" cap="flat" cmpd="sng" algn="ctr">
+                      <a:solidFill>
+                        <a:srgbClr val="000000"/>
+                      </a:solidFill>
+                      <a:prstDash val="solid"/>
+                      <a:round/>
+                      <a:headEnd type="none" w="med" len="med"/>
+                      <a:tailEnd type="none" w="med" len="med"/>
+                    </a:lnT>
+                    <a:lnB>
+                      <a:noFill/>
+                    </a:lnB>
+                  </a:tcPr>
+                </a:tc>
+                <a:extLst>
+                  <a:ext uri="{0D108BD9-81ED-4DB2-BD59-A6C34878D82A}">
+                    <a16:rowId xmlns:a16="http://schemas.microsoft.com/office/drawing/2014/main" val="2946871234"/>
+                  </a:ext>
+                </a:extLst>
+              </a:tr>
+              <a:tr h="254000">
+                <a:tc>
+                  <a:txBody>
+                    <a:bodyPr/>
+                    <a:lstStyle/>
+                    <a:p>
+                      <a:pPr algn="l" fontAlgn="ctr"/>
+                      <a:r>
+                        <a:rPr lang="en-US" sz="1200" b="0" i="0" u="none" strike="noStrike">
+                          <a:solidFill>
+                            <a:srgbClr val="000000"/>
+                          </a:solidFill>
+                          <a:effectLst/>
+                          <a:latin typeface="游ゴシック" panose="020B0400000000000000" pitchFamily="34" charset="-128"/>
+                          <a:ea typeface="游ゴシック" panose="020B0400000000000000" pitchFamily="34" charset="-128"/>
+                        </a:rPr>
+                        <a:t>ext| put| nojoumal</a:t>
+                      </a:r>
+                    </a:p>
+                  </a:txBody>
+                  <a:tcPr marL="9525" marR="9525" marT="9525" marB="0" anchor="ctr">
+                    <a:lnL>
+                      <a:noFill/>
+                    </a:lnL>
+                    <a:lnR w="6350" cap="flat" cmpd="sng" algn="ctr">
+                      <a:solidFill>
+                        <a:srgbClr val="000000"/>
+                      </a:solidFill>
+                      <a:prstDash val="solid"/>
+                      <a:round/>
+                      <a:headEnd type="none" w="med" len="med"/>
+                      <a:tailEnd type="none" w="med" len="med"/>
+                    </a:lnR>
+                    <a:lnT>
+                      <a:noFill/>
+                    </a:lnT>
+                    <a:lnB>
+                      <a:noFill/>
+                    </a:lnB>
+                  </a:tcPr>
+                </a:tc>
+                <a:tc>
+                  <a:txBody>
+                    <a:bodyPr/>
+                    <a:lstStyle/>
+                    <a:p>
+                      <a:pPr algn="l" fontAlgn="ctr"/>
+                      <a:r>
+                        <a:rPr lang="en-US" sz="1200" b="0" i="0" u="none" strike="noStrike">
+                          <a:solidFill>
+                            <a:srgbClr val="000000"/>
+                          </a:solidFill>
+                          <a:effectLst/>
+                          <a:latin typeface="游ゴシック" panose="020B0400000000000000" pitchFamily="34" charset="-128"/>
+                          <a:ea typeface="游ゴシック" panose="020B0400000000000000" pitchFamily="34" charset="-128"/>
+                        </a:rPr>
+                        <a:t>put| nojoumal</a:t>
+                      </a:r>
+                    </a:p>
+                  </a:txBody>
+                  <a:tcPr marL="9525" marR="9525" marT="9525" marB="0" anchor="ctr">
+                    <a:lnL w="6350" cap="flat" cmpd="sng" algn="ctr">
+                      <a:solidFill>
+                        <a:srgbClr val="000000"/>
+                      </a:solidFill>
+                      <a:prstDash val="solid"/>
+                      <a:round/>
+                      <a:headEnd type="none" w="med" len="med"/>
+                      <a:tailEnd type="none" w="med" len="med"/>
+                    </a:lnL>
+                    <a:lnR>
+                      <a:noFill/>
+                    </a:lnR>
+                    <a:lnT>
+                      <a:noFill/>
+                    </a:lnT>
+                    <a:lnB>
+                      <a:noFill/>
+                    </a:lnB>
+                  </a:tcPr>
+                </a:tc>
+                <a:extLst>
+                  <a:ext uri="{0D108BD9-81ED-4DB2-BD59-A6C34878D82A}">
+                    <a16:rowId xmlns:a16="http://schemas.microsoft.com/office/drawing/2014/main" val="1884675405"/>
+                  </a:ext>
+                </a:extLst>
+              </a:tr>
+              <a:tr h="254000">
+                <a:tc>
+                  <a:txBody>
+                    <a:bodyPr/>
+                    <a:lstStyle/>
+                    <a:p>
+                      <a:pPr algn="l" fontAlgn="ctr"/>
+                      <a:r>
+                        <a:rPr lang="en-US" sz="1200" b="0" i="0" u="none" strike="noStrike">
+                          <a:solidFill>
+                            <a:srgbClr val="000000"/>
+                          </a:solidFill>
+                          <a:effectLst/>
+                          <a:latin typeface="游ゴシック" panose="020B0400000000000000" pitchFamily="34" charset="-128"/>
+                          <a:ea typeface="游ゴシック" panose="020B0400000000000000" pitchFamily="34" charset="-128"/>
+                        </a:rPr>
+                        <a:t>ext| chek| start</a:t>
+                      </a:r>
+                    </a:p>
+                  </a:txBody>
+                  <a:tcPr marL="9525" marR="9525" marT="9525" marB="0" anchor="ctr">
+                    <a:lnL>
+                      <a:noFill/>
+                    </a:lnL>
+                    <a:lnR w="6350" cap="flat" cmpd="sng" algn="ctr">
+                      <a:solidFill>
+                        <a:srgbClr val="000000"/>
+                      </a:solidFill>
+                      <a:prstDash val="solid"/>
+                      <a:round/>
+                      <a:headEnd type="none" w="med" len="med"/>
+                      <a:tailEnd type="none" w="med" len="med"/>
+                    </a:lnR>
+                    <a:lnT>
+                      <a:noFill/>
+                    </a:lnT>
+                    <a:lnB>
+                      <a:noFill/>
+                    </a:lnB>
+                  </a:tcPr>
+                </a:tc>
+                <a:tc>
+                  <a:txBody>
+                    <a:bodyPr/>
+                    <a:lstStyle/>
+                    <a:p>
+                      <a:pPr algn="l" fontAlgn="ctr"/>
+                      <a:r>
+                        <a:rPr lang="en-US" sz="1200" b="0" i="0" u="none" strike="noStrike">
+                          <a:solidFill>
+                            <a:srgbClr val="000000"/>
+                          </a:solidFill>
+                          <a:effectLst/>
+                          <a:latin typeface="游ゴシック" panose="020B0400000000000000" pitchFamily="34" charset="-128"/>
+                          <a:ea typeface="游ゴシック" panose="020B0400000000000000" pitchFamily="34" charset="-128"/>
+                        </a:rPr>
+                        <a:t>chek| start</a:t>
+                      </a:r>
+                    </a:p>
+                  </a:txBody>
+                  <a:tcPr marL="9525" marR="9525" marT="9525" marB="0" anchor="ctr">
+                    <a:lnL w="6350" cap="flat" cmpd="sng" algn="ctr">
+                      <a:solidFill>
+                        <a:srgbClr val="000000"/>
+                      </a:solidFill>
+                      <a:prstDash val="solid"/>
+                      <a:round/>
+                      <a:headEnd type="none" w="med" len="med"/>
+                      <a:tailEnd type="none" w="med" len="med"/>
+                    </a:lnL>
+                    <a:lnR>
+                      <a:noFill/>
+                    </a:lnR>
+                    <a:lnT>
+                      <a:noFill/>
+                    </a:lnT>
+                    <a:lnB>
+                      <a:noFill/>
+                    </a:lnB>
+                  </a:tcPr>
+                </a:tc>
+                <a:extLst>
+                  <a:ext uri="{0D108BD9-81ED-4DB2-BD59-A6C34878D82A}">
+                    <a16:rowId xmlns:a16="http://schemas.microsoft.com/office/drawing/2014/main" val="3598033807"/>
+                  </a:ext>
+                </a:extLst>
+              </a:tr>
+              <a:tr h="254000">
+                <a:tc>
+                  <a:txBody>
+                    <a:bodyPr/>
+                    <a:lstStyle/>
+                    <a:p>
+                      <a:pPr algn="l" fontAlgn="ctr"/>
+                      <a:r>
+                        <a:rPr lang="en-US" sz="1200" b="0" i="0" u="none" strike="noStrike">
+                          <a:solidFill>
+                            <a:srgbClr val="000000"/>
+                          </a:solidFill>
+                          <a:effectLst/>
+                          <a:latin typeface="游ゴシック" panose="020B0400000000000000" pitchFamily="34" charset="-128"/>
+                          <a:ea typeface="游ゴシック" panose="020B0400000000000000" pitchFamily="34" charset="-128"/>
+                        </a:rPr>
+                        <a:t>ext| start| sb</a:t>
+                      </a:r>
+                    </a:p>
+                  </a:txBody>
+                  <a:tcPr marL="9525" marR="9525" marT="9525" marB="0" anchor="ctr">
+                    <a:lnL>
+                      <a:noFill/>
+                    </a:lnL>
+                    <a:lnR w="6350" cap="flat" cmpd="sng" algn="ctr">
+                      <a:solidFill>
+                        <a:srgbClr val="000000"/>
+                      </a:solidFill>
+                      <a:prstDash val="solid"/>
+                      <a:round/>
+                      <a:headEnd type="none" w="med" len="med"/>
+                      <a:tailEnd type="none" w="med" len="med"/>
+                    </a:lnR>
+                    <a:lnT>
+                      <a:noFill/>
+                    </a:lnT>
+                    <a:lnB>
+                      <a:noFill/>
+                    </a:lnB>
+                  </a:tcPr>
+                </a:tc>
+                <a:tc>
+                  <a:txBody>
+                    <a:bodyPr/>
+                    <a:lstStyle/>
+                    <a:p>
+                      <a:pPr algn="l" fontAlgn="ctr"/>
+                      <a:r>
+                        <a:rPr lang="en-US" sz="1200" b="0" i="0" u="none" strike="noStrike">
+                          <a:solidFill>
+                            <a:srgbClr val="000000"/>
+                          </a:solidFill>
+                          <a:effectLst/>
+                          <a:latin typeface="游ゴシック" panose="020B0400000000000000" pitchFamily="34" charset="-128"/>
+                          <a:ea typeface="游ゴシック" panose="020B0400000000000000" pitchFamily="34" charset="-128"/>
+                        </a:rPr>
+                        <a:t>start| sb</a:t>
+                      </a:r>
+                    </a:p>
+                  </a:txBody>
+                  <a:tcPr marL="9525" marR="9525" marT="9525" marB="0" anchor="ctr">
+                    <a:lnL w="6350" cap="flat" cmpd="sng" algn="ctr">
+                      <a:solidFill>
+                        <a:srgbClr val="000000"/>
+                      </a:solidFill>
+                      <a:prstDash val="solid"/>
+                      <a:round/>
+                      <a:headEnd type="none" w="med" len="med"/>
+                      <a:tailEnd type="none" w="med" len="med"/>
+                    </a:lnL>
+                    <a:lnR>
+                      <a:noFill/>
+                    </a:lnR>
+                    <a:lnT>
+                      <a:noFill/>
+                    </a:lnT>
+                    <a:lnB>
+                      <a:noFill/>
+                    </a:lnB>
+                  </a:tcPr>
+                </a:tc>
+                <a:extLst>
+                  <a:ext uri="{0D108BD9-81ED-4DB2-BD59-A6C34878D82A}">
+                    <a16:rowId xmlns:a16="http://schemas.microsoft.com/office/drawing/2014/main" val="1537962585"/>
+                  </a:ext>
+                </a:extLst>
+              </a:tr>
+              <a:tr h="254000">
+                <a:tc>
+                  <a:txBody>
+                    <a:bodyPr/>
+                    <a:lstStyle/>
+                    <a:p>
+                      <a:pPr algn="l" fontAlgn="ctr"/>
+                      <a:r>
+                        <a:rPr lang="en-US" sz="1200" b="0" i="0" u="none" strike="noStrike">
+                          <a:solidFill>
+                            <a:srgbClr val="000000"/>
+                          </a:solidFill>
+                          <a:effectLst/>
+                          <a:latin typeface="游ゴシック" panose="020B0400000000000000" pitchFamily="34" charset="-128"/>
+                          <a:ea typeface="游ゴシック" panose="020B0400000000000000" pitchFamily="34" charset="-128"/>
+                        </a:rPr>
+                        <a:t>ext| stop</a:t>
+                      </a:r>
+                    </a:p>
+                  </a:txBody>
+                  <a:tcPr marL="9525" marR="9525" marT="9525" marB="0" anchor="ctr">
+                    <a:lnL>
+                      <a:noFill/>
+                    </a:lnL>
+                    <a:lnR w="6350" cap="flat" cmpd="sng" algn="ctr">
+                      <a:solidFill>
+                        <a:srgbClr val="000000"/>
+                      </a:solidFill>
+                      <a:prstDash val="solid"/>
+                      <a:round/>
+                      <a:headEnd type="none" w="med" len="med"/>
+                      <a:tailEnd type="none" w="med" len="med"/>
+                    </a:lnR>
+                    <a:lnT>
+                      <a:noFill/>
+                    </a:lnT>
+                    <a:lnB>
+                      <a:noFill/>
+                    </a:lnB>
+                  </a:tcPr>
+                </a:tc>
+                <a:tc>
+                  <a:txBody>
+                    <a:bodyPr/>
+                    <a:lstStyle/>
+                    <a:p>
+                      <a:pPr algn="l" fontAlgn="ctr"/>
+                      <a:r>
+                        <a:rPr lang="en-US" sz="1200" b="0" i="0" u="none" strike="noStrike">
+                          <a:solidFill>
+                            <a:srgbClr val="000000"/>
+                          </a:solidFill>
+                          <a:effectLst/>
+                          <a:latin typeface="游ゴシック" panose="020B0400000000000000" pitchFamily="34" charset="-128"/>
+                          <a:ea typeface="游ゴシック" panose="020B0400000000000000" pitchFamily="34" charset="-128"/>
+                        </a:rPr>
+                        <a:t>stop</a:t>
+                      </a:r>
+                    </a:p>
+                  </a:txBody>
+                  <a:tcPr marL="9525" marR="9525" marT="9525" marB="0" anchor="ctr">
+                    <a:lnL w="6350" cap="flat" cmpd="sng" algn="ctr">
+                      <a:solidFill>
+                        <a:srgbClr val="000000"/>
+                      </a:solidFill>
+                      <a:prstDash val="solid"/>
+                      <a:round/>
+                      <a:headEnd type="none" w="med" len="med"/>
+                      <a:tailEnd type="none" w="med" len="med"/>
+                    </a:lnL>
+                    <a:lnR>
+                      <a:noFill/>
+                    </a:lnR>
+                    <a:lnT>
+                      <a:noFill/>
+                    </a:lnT>
+                    <a:lnB>
+                      <a:noFill/>
+                    </a:lnB>
+                  </a:tcPr>
+                </a:tc>
+                <a:extLst>
+                  <a:ext uri="{0D108BD9-81ED-4DB2-BD59-A6C34878D82A}">
+                    <a16:rowId xmlns:a16="http://schemas.microsoft.com/office/drawing/2014/main" val="2048337966"/>
+                  </a:ext>
+                </a:extLst>
+              </a:tr>
+              <a:tr h="254000">
+                <a:tc>
+                  <a:txBody>
+                    <a:bodyPr/>
+                    <a:lstStyle/>
+                    <a:p>
+                      <a:pPr algn="l" fontAlgn="ctr"/>
+                      <a:r>
+                        <a:rPr lang="en-US" sz="1200" b="0" i="0" u="none" strike="noStrike">
+                          <a:solidFill>
+                            <a:srgbClr val="000000"/>
+                          </a:solidFill>
+                          <a:effectLst/>
+                          <a:latin typeface="游ゴシック" panose="020B0400000000000000" pitchFamily="34" charset="-128"/>
+                          <a:ea typeface="游ゴシック" panose="020B0400000000000000" pitchFamily="34" charset="-128"/>
+                        </a:rPr>
+                        <a:t>ext| start| reserved</a:t>
+                      </a:r>
+                    </a:p>
+                  </a:txBody>
+                  <a:tcPr marL="9525" marR="9525" marT="9525" marB="0" anchor="ctr">
+                    <a:lnL>
+                      <a:noFill/>
+                    </a:lnL>
+                    <a:lnR w="6350" cap="flat" cmpd="sng" algn="ctr">
+                      <a:solidFill>
+                        <a:srgbClr val="000000"/>
+                      </a:solidFill>
+                      <a:prstDash val="solid"/>
+                      <a:round/>
+                      <a:headEnd type="none" w="med" len="med"/>
+                      <a:tailEnd type="none" w="med" len="med"/>
+                    </a:lnR>
+                    <a:lnT>
+                      <a:noFill/>
+                    </a:lnT>
+                    <a:lnB>
+                      <a:noFill/>
+                    </a:lnB>
+                  </a:tcPr>
+                </a:tc>
+                <a:tc>
+                  <a:txBody>
+                    <a:bodyPr/>
+                    <a:lstStyle/>
+                    <a:p>
+                      <a:pPr algn="l" fontAlgn="ctr"/>
+                      <a:r>
+                        <a:rPr lang="en-US" sz="1200" b="0" i="0" u="none" strike="noStrike">
+                          <a:solidFill>
+                            <a:srgbClr val="000000"/>
+                          </a:solidFill>
+                          <a:effectLst/>
+                          <a:latin typeface="游ゴシック" panose="020B0400000000000000" pitchFamily="34" charset="-128"/>
+                          <a:ea typeface="游ゴシック" panose="020B0400000000000000" pitchFamily="34" charset="-128"/>
+                        </a:rPr>
+                        <a:t>start| reserved</a:t>
+                      </a:r>
+                    </a:p>
+                  </a:txBody>
+                  <a:tcPr marL="9525" marR="9525" marT="9525" marB="0" anchor="ctr">
+                    <a:lnL w="6350" cap="flat" cmpd="sng" algn="ctr">
+                      <a:solidFill>
+                        <a:srgbClr val="000000"/>
+                      </a:solidFill>
+                      <a:prstDash val="solid"/>
+                      <a:round/>
+                      <a:headEnd type="none" w="med" len="med"/>
+                      <a:tailEnd type="none" w="med" len="med"/>
+                    </a:lnL>
+                    <a:lnR>
+                      <a:noFill/>
+                    </a:lnR>
+                    <a:lnT>
+                      <a:noFill/>
+                    </a:lnT>
+                    <a:lnB>
+                      <a:noFill/>
+                    </a:lnB>
+                  </a:tcPr>
+                </a:tc>
+                <a:extLst>
+                  <a:ext uri="{0D108BD9-81ED-4DB2-BD59-A6C34878D82A}">
+                    <a16:rowId xmlns:a16="http://schemas.microsoft.com/office/drawing/2014/main" val="145346851"/>
+                  </a:ext>
+                </a:extLst>
+              </a:tr>
+              <a:tr h="254000">
+                <a:tc>
+                  <a:txBody>
+                    <a:bodyPr/>
+                    <a:lstStyle/>
+                    <a:p>
+                      <a:pPr algn="l" fontAlgn="ctr"/>
+                      <a:r>
+                        <a:rPr lang="en-US" sz="1200" b="0" i="0" u="none" strike="noStrike">
+                          <a:solidFill>
+                            <a:srgbClr val="000000"/>
+                          </a:solidFill>
+                          <a:effectLst/>
+                          <a:latin typeface="游ゴシック" panose="020B0400000000000000" pitchFamily="34" charset="-128"/>
+                          <a:ea typeface="游ゴシック" panose="020B0400000000000000" pitchFamily="34" charset="-128"/>
+                        </a:rPr>
+                        <a:t>ext| abort| handle</a:t>
+                      </a:r>
+                    </a:p>
+                  </a:txBody>
+                  <a:tcPr marL="9525" marR="9525" marT="9525" marB="0" anchor="ctr">
+                    <a:lnL>
+                      <a:noFill/>
+                    </a:lnL>
+                    <a:lnR w="6350" cap="flat" cmpd="sng" algn="ctr">
+                      <a:solidFill>
+                        <a:srgbClr val="000000"/>
+                      </a:solidFill>
+                      <a:prstDash val="solid"/>
+                      <a:round/>
+                      <a:headEnd type="none" w="med" len="med"/>
+                      <a:tailEnd type="none" w="med" len="med"/>
+                    </a:lnR>
+                    <a:lnT>
+                      <a:noFill/>
+                    </a:lnT>
+                    <a:lnB>
+                      <a:noFill/>
+                    </a:lnB>
+                  </a:tcPr>
+                </a:tc>
+                <a:tc>
+                  <a:txBody>
+                    <a:bodyPr/>
+                    <a:lstStyle/>
+                    <a:p>
+                      <a:pPr algn="l" fontAlgn="ctr"/>
+                      <a:r>
+                        <a:rPr lang="en-US" sz="1200" b="0" i="0" u="none" strike="noStrike">
+                          <a:solidFill>
+                            <a:srgbClr val="000000"/>
+                          </a:solidFill>
+                          <a:effectLst/>
+                          <a:latin typeface="游ゴシック" panose="020B0400000000000000" pitchFamily="34" charset="-128"/>
+                          <a:ea typeface="游ゴシック" panose="020B0400000000000000" pitchFamily="34" charset="-128"/>
+                        </a:rPr>
+                        <a:t>abort| handle</a:t>
+                      </a:r>
+                    </a:p>
+                  </a:txBody>
+                  <a:tcPr marL="9525" marR="9525" marT="9525" marB="0" anchor="ctr">
+                    <a:lnL w="6350" cap="flat" cmpd="sng" algn="ctr">
+                      <a:solidFill>
+                        <a:srgbClr val="000000"/>
+                      </a:solidFill>
+                      <a:prstDash val="solid"/>
+                      <a:round/>
+                      <a:headEnd type="none" w="med" len="med"/>
+                      <a:tailEnd type="none" w="med" len="med"/>
+                    </a:lnL>
+                    <a:lnR>
+                      <a:noFill/>
+                    </a:lnR>
+                    <a:lnT>
+                      <a:noFill/>
+                    </a:lnT>
+                    <a:lnB>
+                      <a:noFill/>
+                    </a:lnB>
+                  </a:tcPr>
+                </a:tc>
+                <a:extLst>
+                  <a:ext uri="{0D108BD9-81ED-4DB2-BD59-A6C34878D82A}">
+                    <a16:rowId xmlns:a16="http://schemas.microsoft.com/office/drawing/2014/main" val="3744368851"/>
+                  </a:ext>
+                </a:extLst>
+              </a:tr>
+              <a:tr h="254000">
+                <a:tc>
+                  <a:txBody>
+                    <a:bodyPr/>
+                    <a:lstStyle/>
+                    <a:p>
+                      <a:pPr algn="l" fontAlgn="ctr"/>
+                      <a:r>
+                        <a:rPr lang="en-US" sz="1200" b="0" i="0" u="none" strike="noStrike">
+                          <a:solidFill>
+                            <a:srgbClr val="000000"/>
+                          </a:solidFill>
+                          <a:effectLst/>
+                          <a:latin typeface="游ゴシック" panose="020B0400000000000000" pitchFamily="34" charset="-128"/>
+                          <a:ea typeface="游ゴシック" panose="020B0400000000000000" pitchFamily="34" charset="-128"/>
+                        </a:rPr>
+                        <a:t>ext| get| create| access</a:t>
+                      </a:r>
+                    </a:p>
+                  </a:txBody>
+                  <a:tcPr marL="9525" marR="9525" marT="9525" marB="0" anchor="ctr">
+                    <a:lnL>
+                      <a:noFill/>
+                    </a:lnL>
+                    <a:lnR w="6350" cap="flat" cmpd="sng" algn="ctr">
+                      <a:solidFill>
+                        <a:srgbClr val="000000"/>
+                      </a:solidFill>
+                      <a:prstDash val="solid"/>
+                      <a:round/>
+                      <a:headEnd type="none" w="med" len="med"/>
+                      <a:tailEnd type="none" w="med" len="med"/>
+                    </a:lnR>
+                    <a:lnT>
+                      <a:noFill/>
+                    </a:lnT>
+                    <a:lnB>
+                      <a:noFill/>
+                    </a:lnB>
+                  </a:tcPr>
+                </a:tc>
+                <a:tc>
+                  <a:txBody>
+                    <a:bodyPr/>
+                    <a:lstStyle/>
+                    <a:p>
+                      <a:pPr algn="l" fontAlgn="ctr"/>
+                      <a:r>
+                        <a:rPr lang="en-US" sz="1200" b="0" i="0" u="none" strike="noStrike">
+                          <a:solidFill>
+                            <a:srgbClr val="000000"/>
+                          </a:solidFill>
+                          <a:effectLst/>
+                          <a:latin typeface="游ゴシック" panose="020B0400000000000000" pitchFamily="34" charset="-128"/>
+                          <a:ea typeface="游ゴシック" panose="020B0400000000000000" pitchFamily="34" charset="-128"/>
+                        </a:rPr>
+                        <a:t>get| create| access</a:t>
+                      </a:r>
+                    </a:p>
+                  </a:txBody>
+                  <a:tcPr marL="9525" marR="9525" marT="9525" marB="0" anchor="ctr">
+                    <a:lnL w="6350" cap="flat" cmpd="sng" algn="ctr">
+                      <a:solidFill>
+                        <a:srgbClr val="000000"/>
+                      </a:solidFill>
+                      <a:prstDash val="solid"/>
+                      <a:round/>
+                      <a:headEnd type="none" w="med" len="med"/>
+                      <a:tailEnd type="none" w="med" len="med"/>
+                    </a:lnL>
+                    <a:lnR>
+                      <a:noFill/>
+                    </a:lnR>
+                    <a:lnT>
+                      <a:noFill/>
+                    </a:lnT>
+                    <a:lnB>
+                      <a:noFill/>
+                    </a:lnB>
+                  </a:tcPr>
+                </a:tc>
+                <a:extLst>
+                  <a:ext uri="{0D108BD9-81ED-4DB2-BD59-A6C34878D82A}">
+                    <a16:rowId xmlns:a16="http://schemas.microsoft.com/office/drawing/2014/main" val="1318117320"/>
+                  </a:ext>
+                </a:extLst>
+              </a:tr>
+              <a:tr h="254000">
+                <a:tc>
+                  <a:txBody>
+                    <a:bodyPr/>
+                    <a:lstStyle/>
+                    <a:p>
+                      <a:pPr algn="l" fontAlgn="ctr"/>
+                      <a:r>
+                        <a:rPr lang="en-US" sz="1200" b="0" i="0" u="none" strike="noStrike">
+                          <a:solidFill>
+                            <a:srgbClr val="000000"/>
+                          </a:solidFill>
+                          <a:effectLst/>
+                          <a:latin typeface="游ゴシック" panose="020B0400000000000000" pitchFamily="34" charset="-128"/>
+                          <a:ea typeface="游ゴシック" panose="020B0400000000000000" pitchFamily="34" charset="-128"/>
+                        </a:rPr>
+                        <a:t>ext| handle| dirty| metadata</a:t>
+                      </a:r>
+                    </a:p>
+                  </a:txBody>
+                  <a:tcPr marL="9525" marR="9525" marT="9525" marB="0" anchor="ctr">
+                    <a:lnL>
+                      <a:noFill/>
+                    </a:lnL>
+                    <a:lnR w="6350" cap="flat" cmpd="sng" algn="ctr">
+                      <a:solidFill>
+                        <a:srgbClr val="000000"/>
+                      </a:solidFill>
+                      <a:prstDash val="solid"/>
+                      <a:round/>
+                      <a:headEnd type="none" w="med" len="med"/>
+                      <a:tailEnd type="none" w="med" len="med"/>
+                    </a:lnR>
+                    <a:lnT>
+                      <a:noFill/>
+                    </a:lnT>
+                    <a:lnB>
+                      <a:noFill/>
+                    </a:lnB>
+                  </a:tcPr>
+                </a:tc>
+                <a:tc>
+                  <a:txBody>
+                    <a:bodyPr/>
+                    <a:lstStyle/>
+                    <a:p>
+                      <a:pPr algn="l" fontAlgn="ctr"/>
+                      <a:r>
+                        <a:rPr lang="en-US" sz="1200" b="0" i="0" u="none" strike="noStrike">
+                          <a:solidFill>
+                            <a:srgbClr val="000000"/>
+                          </a:solidFill>
+                          <a:effectLst/>
+                          <a:latin typeface="游ゴシック" panose="020B0400000000000000" pitchFamily="34" charset="-128"/>
+                          <a:ea typeface="游ゴシック" panose="020B0400000000000000" pitchFamily="34" charset="-128"/>
+                        </a:rPr>
+                        <a:t>handle| dirty| metadata</a:t>
+                      </a:r>
+                    </a:p>
+                  </a:txBody>
+                  <a:tcPr marL="9525" marR="9525" marT="9525" marB="0" anchor="ctr">
+                    <a:lnL w="6350" cap="flat" cmpd="sng" algn="ctr">
+                      <a:solidFill>
+                        <a:srgbClr val="000000"/>
+                      </a:solidFill>
+                      <a:prstDash val="solid"/>
+                      <a:round/>
+                      <a:headEnd type="none" w="med" len="med"/>
+                      <a:tailEnd type="none" w="med" len="med"/>
+                    </a:lnL>
+                    <a:lnR>
+                      <a:noFill/>
+                    </a:lnR>
+                    <a:lnT>
+                      <a:noFill/>
+                    </a:lnT>
+                    <a:lnB>
+                      <a:noFill/>
+                    </a:lnB>
+                  </a:tcPr>
+                </a:tc>
+                <a:extLst>
+                  <a:ext uri="{0D108BD9-81ED-4DB2-BD59-A6C34878D82A}">
+                    <a16:rowId xmlns:a16="http://schemas.microsoft.com/office/drawing/2014/main" val="3126734679"/>
+                  </a:ext>
+                </a:extLst>
+              </a:tr>
+              <a:tr h="254000">
+                <a:tc>
+                  <a:txBody>
+                    <a:bodyPr/>
+                    <a:lstStyle/>
+                    <a:p>
+                      <a:pPr algn="l" fontAlgn="ctr"/>
+                      <a:r>
+                        <a:rPr lang="en-US" sz="1200" b="0" i="0" u="none" strike="noStrike">
+                          <a:solidFill>
+                            <a:srgbClr val="000000"/>
+                          </a:solidFill>
+                          <a:effectLst/>
+                          <a:latin typeface="游ゴシック" panose="020B0400000000000000" pitchFamily="34" charset="-128"/>
+                          <a:ea typeface="游ゴシック" panose="020B0400000000000000" pitchFamily="34" charset="-128"/>
+                        </a:rPr>
+                        <a:t>ext| handle| dirty| super</a:t>
+                      </a:r>
+                    </a:p>
+                  </a:txBody>
+                  <a:tcPr marL="9525" marR="9525" marT="9525" marB="0" anchor="ctr">
+                    <a:lnL>
+                      <a:noFill/>
+                    </a:lnL>
+                    <a:lnR w="6350" cap="flat" cmpd="sng" algn="ctr">
+                      <a:solidFill>
+                        <a:srgbClr val="000000"/>
+                      </a:solidFill>
+                      <a:prstDash val="solid"/>
+                      <a:round/>
+                      <a:headEnd type="none" w="med" len="med"/>
+                      <a:tailEnd type="none" w="med" len="med"/>
+                    </a:lnR>
+                    <a:lnT>
+                      <a:noFill/>
+                    </a:lnT>
+                    <a:lnB w="6350" cap="flat" cmpd="sng" algn="ctr">
+                      <a:solidFill>
+                        <a:srgbClr val="000000"/>
+                      </a:solidFill>
+                      <a:prstDash val="solid"/>
+                      <a:round/>
+                      <a:headEnd type="none" w="med" len="med"/>
+                      <a:tailEnd type="none" w="med" len="med"/>
+                    </a:lnB>
+                  </a:tcPr>
+                </a:tc>
+                <a:tc>
+                  <a:txBody>
+                    <a:bodyPr/>
+                    <a:lstStyle/>
+                    <a:p>
+                      <a:pPr algn="l" fontAlgn="ctr"/>
+                      <a:r>
+                        <a:rPr lang="en-US" sz="1200" b="0" i="0" u="none" strike="noStrike" dirty="0">
+                          <a:solidFill>
+                            <a:srgbClr val="000000"/>
+                          </a:solidFill>
+                          <a:effectLst/>
+                          <a:latin typeface="游ゴシック" panose="020B0400000000000000" pitchFamily="34" charset="-128"/>
+                          <a:ea typeface="游ゴシック" panose="020B0400000000000000" pitchFamily="34" charset="-128"/>
+                        </a:rPr>
+                        <a:t>handle| dirty| super</a:t>
+                      </a:r>
+                    </a:p>
+                  </a:txBody>
+                  <a:tcPr marL="9525" marR="9525" marT="9525" marB="0" anchor="ctr">
+                    <a:lnL w="6350" cap="flat" cmpd="sng" algn="ctr">
+                      <a:solidFill>
+                        <a:srgbClr val="000000"/>
+                      </a:solidFill>
+                      <a:prstDash val="solid"/>
+                      <a:round/>
+                      <a:headEnd type="none" w="med" len="med"/>
+                      <a:tailEnd type="none" w="med" len="med"/>
+                    </a:lnL>
+                    <a:lnR>
+                      <a:noFill/>
+                    </a:lnR>
+                    <a:lnT>
+                      <a:noFill/>
+                    </a:lnT>
+                    <a:lnB w="6350" cap="flat" cmpd="sng" algn="ctr">
+                      <a:solidFill>
+                        <a:srgbClr val="000000"/>
+                      </a:solidFill>
+                      <a:prstDash val="solid"/>
+                      <a:round/>
+                      <a:headEnd type="none" w="med" len="med"/>
+                      <a:tailEnd type="none" w="med" len="med"/>
+                    </a:lnB>
+                  </a:tcPr>
+                </a:tc>
+                <a:extLst>
+                  <a:ext uri="{0D108BD9-81ED-4DB2-BD59-A6C34878D82A}">
+                    <a16:rowId xmlns:a16="http://schemas.microsoft.com/office/drawing/2014/main" val="2326587540"/>
                   </a:ext>
                 </a:extLst>
               </a:tr>

--- a/textemp_apris2019/image/プレゼンテーション3.pptx
+++ b/textemp_apris2019/image/プレゼンテーション3.pptx
@@ -5,10 +5,11 @@
     <p:sldMasterId id="2147483648" r:id="rId1"/>
   </p:sldMasterIdLst>
   <p:notesMasterIdLst>
-    <p:notesMasterId r:id="rId3"/>
+    <p:notesMasterId r:id="rId4"/>
   </p:notesMasterIdLst>
   <p:sldIdLst>
     <p:sldId id="256" r:id="rId2"/>
+    <p:sldId id="257" r:id="rId3"/>
   </p:sldIdLst>
   <p:sldSz cx="12192000" cy="6858000"/>
   <p:notesSz cx="6858000" cy="9144000"/>
@@ -197,7 +198,7 @@
           <a:p>
             <a:fld id="{B1CDD767-E37F-8A43-B215-50F03AF2F6E5}" type="datetimeFigureOut">
               <a:rPr kumimoji="1" lang="ja-JP" altLang="en-US" smtClean="0"/>
-              <a:t>2019/10/9</a:t>
+              <a:t>2019/10/13</a:t>
             </a:fld>
             <a:endParaRPr kumimoji="1" lang="ja-JP" altLang="en-US"/>
           </a:p>
@@ -702,7 +703,7 @@
           <a:p>
             <a:fld id="{6E628ED1-882E-EE48-8BCE-2CC78510EFE8}" type="datetimeFigureOut">
               <a:rPr kumimoji="1" lang="ja-JP" altLang="en-US" smtClean="0"/>
-              <a:t>2019/10/9</a:t>
+              <a:t>2019/10/13</a:t>
             </a:fld>
             <a:endParaRPr kumimoji="1" lang="ja-JP" altLang="en-US"/>
           </a:p>
@@ -907,7 +908,7 @@
           <a:p>
             <a:fld id="{6E628ED1-882E-EE48-8BCE-2CC78510EFE8}" type="datetimeFigureOut">
               <a:rPr kumimoji="1" lang="ja-JP" altLang="en-US" smtClean="0"/>
-              <a:t>2019/10/9</a:t>
+              <a:t>2019/10/13</a:t>
             </a:fld>
             <a:endParaRPr kumimoji="1" lang="ja-JP" altLang="en-US"/>
           </a:p>
@@ -1122,7 +1123,7 @@
           <a:p>
             <a:fld id="{6E628ED1-882E-EE48-8BCE-2CC78510EFE8}" type="datetimeFigureOut">
               <a:rPr kumimoji="1" lang="ja-JP" altLang="en-US" smtClean="0"/>
-              <a:t>2019/10/9</a:t>
+              <a:t>2019/10/13</a:t>
             </a:fld>
             <a:endParaRPr kumimoji="1" lang="ja-JP" altLang="en-US"/>
           </a:p>
@@ -1327,7 +1328,7 @@
           <a:p>
             <a:fld id="{6E628ED1-882E-EE48-8BCE-2CC78510EFE8}" type="datetimeFigureOut">
               <a:rPr kumimoji="1" lang="ja-JP" altLang="en-US" smtClean="0"/>
-              <a:t>2019/10/9</a:t>
+              <a:t>2019/10/13</a:t>
             </a:fld>
             <a:endParaRPr kumimoji="1" lang="ja-JP" altLang="en-US"/>
           </a:p>
@@ -1637,7 +1638,7 @@
           <a:p>
             <a:fld id="{6E628ED1-882E-EE48-8BCE-2CC78510EFE8}" type="datetimeFigureOut">
               <a:rPr kumimoji="1" lang="ja-JP" altLang="en-US" smtClean="0"/>
-              <a:t>2019/10/9</a:t>
+              <a:t>2019/10/13</a:t>
             </a:fld>
             <a:endParaRPr kumimoji="1" lang="ja-JP" altLang="en-US"/>
           </a:p>
@@ -1916,7 +1917,7 @@
           <a:p>
             <a:fld id="{6E628ED1-882E-EE48-8BCE-2CC78510EFE8}" type="datetimeFigureOut">
               <a:rPr kumimoji="1" lang="ja-JP" altLang="en-US" smtClean="0"/>
-              <a:t>2019/10/9</a:t>
+              <a:t>2019/10/13</a:t>
             </a:fld>
             <a:endParaRPr kumimoji="1" lang="ja-JP" altLang="en-US"/>
           </a:p>
@@ -2412,7 +2413,7 @@
           <a:p>
             <a:fld id="{6E628ED1-882E-EE48-8BCE-2CC78510EFE8}" type="datetimeFigureOut">
               <a:rPr kumimoji="1" lang="ja-JP" altLang="en-US" smtClean="0"/>
-              <a:t>2019/10/9</a:t>
+              <a:t>2019/10/13</a:t>
             </a:fld>
             <a:endParaRPr kumimoji="1" lang="ja-JP" altLang="en-US"/>
           </a:p>
@@ -2553,7 +2554,7 @@
           <a:p>
             <a:fld id="{6E628ED1-882E-EE48-8BCE-2CC78510EFE8}" type="datetimeFigureOut">
               <a:rPr kumimoji="1" lang="ja-JP" altLang="en-US" smtClean="0"/>
-              <a:t>2019/10/9</a:t>
+              <a:t>2019/10/13</a:t>
             </a:fld>
             <a:endParaRPr kumimoji="1" lang="ja-JP" altLang="en-US"/>
           </a:p>
@@ -2666,7 +2667,7 @@
           <a:p>
             <a:fld id="{6E628ED1-882E-EE48-8BCE-2CC78510EFE8}" type="datetimeFigureOut">
               <a:rPr kumimoji="1" lang="ja-JP" altLang="en-US" smtClean="0"/>
-              <a:t>2019/10/9</a:t>
+              <a:t>2019/10/13</a:t>
             </a:fld>
             <a:endParaRPr kumimoji="1" lang="ja-JP" altLang="en-US"/>
           </a:p>
@@ -3019,7 +3020,7 @@
           <a:p>
             <a:fld id="{6E628ED1-882E-EE48-8BCE-2CC78510EFE8}" type="datetimeFigureOut">
               <a:rPr kumimoji="1" lang="ja-JP" altLang="en-US" smtClean="0"/>
-              <a:t>2019/10/9</a:t>
+              <a:t>2019/10/13</a:t>
             </a:fld>
             <a:endParaRPr kumimoji="1" lang="ja-JP" altLang="en-US"/>
           </a:p>
@@ -3342,7 +3343,7 @@
           <a:p>
             <a:fld id="{6E628ED1-882E-EE48-8BCE-2CC78510EFE8}" type="datetimeFigureOut">
               <a:rPr kumimoji="1" lang="ja-JP" altLang="en-US" smtClean="0"/>
-              <a:t>2019/10/9</a:t>
+              <a:t>2019/10/13</a:t>
             </a:fld>
             <a:endParaRPr kumimoji="1" lang="ja-JP" altLang="en-US"/>
           </a:p>
@@ -3590,7 +3591,7 @@
           <a:p>
             <a:fld id="{6E628ED1-882E-EE48-8BCE-2CC78510EFE8}" type="datetimeFigureOut">
               <a:rPr kumimoji="1" lang="ja-JP" altLang="en-US" smtClean="0"/>
-              <a:t>2019/10/9</a:t>
+              <a:t>2019/10/13</a:t>
             </a:fld>
             <a:endParaRPr kumimoji="1" lang="ja-JP" altLang="en-US"/>
           </a:p>
@@ -5705,6 +5706,1492 @@
     <p:extLst>
       <p:ext uri="{BB962C8B-B14F-4D97-AF65-F5344CB8AC3E}">
         <p14:creationId xmlns:p14="http://schemas.microsoft.com/office/powerpoint/2010/main" val="3216888776"/>
+      </p:ext>
+    </p:extLst>
+  </p:cSld>
+  <p:clrMapOvr>
+    <a:masterClrMapping/>
+  </p:clrMapOvr>
+</p:sld>
+</file>
+
+<file path=ppt/slides/slide2.xml><?xml version="1.0" encoding="utf-8"?>
+<p:sld xmlns:a="http://schemas.openxmlformats.org/drawingml/2006/main" xmlns:r="http://schemas.openxmlformats.org/officeDocument/2006/relationships" xmlns:p="http://schemas.openxmlformats.org/presentationml/2006/main">
+  <p:cSld>
+    <p:spTree>
+      <p:nvGrpSpPr>
+        <p:cNvPr id="1" name=""/>
+        <p:cNvGrpSpPr/>
+        <p:nvPr/>
+      </p:nvGrpSpPr>
+      <p:grpSpPr>
+        <a:xfrm>
+          <a:off x="0" y="0"/>
+          <a:ext cx="0" cy="0"/>
+          <a:chOff x="0" y="0"/>
+          <a:chExt cx="0" cy="0"/>
+        </a:xfrm>
+      </p:grpSpPr>
+      <p:graphicFrame>
+        <p:nvGraphicFramePr>
+          <p:cNvPr id="4" name="表 3">
+            <a:extLst>
+              <a:ext uri="{FF2B5EF4-FFF2-40B4-BE49-F238E27FC236}">
+                <a16:creationId xmlns:a16="http://schemas.microsoft.com/office/drawing/2014/main" id="{37ABC7D9-9065-1B42-8D08-57FE5CBE3AA6}"/>
+              </a:ext>
+            </a:extLst>
+          </p:cNvPr>
+          <p:cNvGraphicFramePr>
+            <a:graphicFrameLocks noGrp="1"/>
+          </p:cNvGraphicFramePr>
+          <p:nvPr>
+            <p:extLst>
+              <p:ext uri="{D42A27DB-BD31-4B8C-83A1-F6EECF244321}">
+                <p14:modId xmlns:p14="http://schemas.microsoft.com/office/powerpoint/2010/main" val="1741519343"/>
+              </p:ext>
+            </p:extLst>
+          </p:nvPr>
+        </p:nvGraphicFramePr>
+        <p:xfrm>
+          <a:off x="4005035" y="2068534"/>
+          <a:ext cx="4443225" cy="2901315"/>
+        </p:xfrm>
+        <a:graphic>
+          <a:graphicData uri="http://schemas.openxmlformats.org/drawingml/2006/table">
+            <a:tbl>
+              <a:tblPr/>
+              <a:tblGrid>
+                <a:gridCol w="2176273">
+                  <a:extLst>
+                    <a:ext uri="{9D8B030D-6E8A-4147-A177-3AD203B41FA5}">
+                      <a16:colId xmlns:a16="http://schemas.microsoft.com/office/drawing/2014/main" val="2580001590"/>
+                    </a:ext>
+                  </a:extLst>
+                </a:gridCol>
+                <a:gridCol w="829057">
+                  <a:extLst>
+                    <a:ext uri="{9D8B030D-6E8A-4147-A177-3AD203B41FA5}">
+                      <a16:colId xmlns:a16="http://schemas.microsoft.com/office/drawing/2014/main" val="1499510946"/>
+                    </a:ext>
+                  </a:extLst>
+                </a:gridCol>
+                <a:gridCol w="1437895">
+                  <a:extLst>
+                    <a:ext uri="{9D8B030D-6E8A-4147-A177-3AD203B41FA5}">
+                      <a16:colId xmlns:a16="http://schemas.microsoft.com/office/drawing/2014/main" val="358495317"/>
+                    </a:ext>
+                  </a:extLst>
+                </a:gridCol>
+              </a:tblGrid>
+              <a:tr h="175215">
+                <a:tc>
+                  <a:txBody>
+                    <a:bodyPr/>
+                    <a:lstStyle/>
+                    <a:p>
+                      <a:pPr algn="l" fontAlgn="ctr"/>
+                      <a:r>
+                        <a:rPr lang="ja-JP" altLang="en-US" sz="1200" b="0" i="0" u="none" strike="noStrike">
+                          <a:solidFill>
+                            <a:srgbClr val="000000"/>
+                          </a:solidFill>
+                          <a:effectLst/>
+                          <a:latin typeface="游ゴシック" panose="020B0400000000000000" pitchFamily="34" charset="-128"/>
+                          <a:ea typeface="游ゴシック" panose="020B0400000000000000" pitchFamily="34" charset="-128"/>
+                        </a:rPr>
+                        <a:t>　</a:t>
+                      </a:r>
+                    </a:p>
+                  </a:txBody>
+                  <a:tcPr marL="9525" marR="9525" marT="9525" marB="0" anchor="ctr">
+                    <a:lnL>
+                      <a:noFill/>
+                    </a:lnL>
+                    <a:lnR w="6350" cap="flat" cmpd="sng" algn="ctr">
+                      <a:solidFill>
+                        <a:srgbClr val="000000"/>
+                      </a:solidFill>
+                      <a:prstDash val="solid"/>
+                      <a:round/>
+                      <a:headEnd type="none" w="med" len="med"/>
+                      <a:tailEnd type="none" w="med" len="med"/>
+                    </a:lnR>
+                    <a:lnT w="25400" cap="flat" cmpd="dbl" algn="ctr">
+                      <a:solidFill>
+                        <a:srgbClr val="000000"/>
+                      </a:solidFill>
+                      <a:prstDash val="solid"/>
+                      <a:round/>
+                      <a:headEnd type="none" w="med" len="med"/>
+                      <a:tailEnd type="none" w="med" len="med"/>
+                    </a:lnT>
+                    <a:lnB w="6350" cap="flat" cmpd="sng" algn="ctr">
+                      <a:solidFill>
+                        <a:srgbClr val="000000"/>
+                      </a:solidFill>
+                      <a:prstDash val="solid"/>
+                      <a:round/>
+                      <a:headEnd type="none" w="med" len="med"/>
+                      <a:tailEnd type="none" w="med" len="med"/>
+                    </a:lnB>
+                  </a:tcPr>
+                </a:tc>
+                <a:tc>
+                  <a:txBody>
+                    <a:bodyPr/>
+                    <a:lstStyle/>
+                    <a:p>
+                      <a:pPr algn="r" fontAlgn="ctr"/>
+                      <a:r>
+                        <a:rPr lang="en-US" sz="1200" b="0" i="0" u="none" strike="noStrike" dirty="0">
+                          <a:solidFill>
+                            <a:srgbClr val="000000"/>
+                          </a:solidFill>
+                          <a:effectLst/>
+                          <a:latin typeface="游ゴシック" panose="020B0400000000000000" pitchFamily="34" charset="-128"/>
+                          <a:ea typeface="游ゴシック" panose="020B0400000000000000" pitchFamily="34" charset="-128"/>
+                        </a:rPr>
+                        <a:t>CMU-SEI</a:t>
+                      </a:r>
+                    </a:p>
+                  </a:txBody>
+                  <a:tcPr marL="9525" marR="9525" marT="9525" marB="0" anchor="ctr">
+                    <a:lnL w="6350" cap="flat" cmpd="sng" algn="ctr">
+                      <a:solidFill>
+                        <a:srgbClr val="000000"/>
+                      </a:solidFill>
+                      <a:prstDash val="solid"/>
+                      <a:round/>
+                      <a:headEnd type="none" w="med" len="med"/>
+                      <a:tailEnd type="none" w="med" len="med"/>
+                    </a:lnL>
+                    <a:lnR>
+                      <a:noFill/>
+                    </a:lnR>
+                    <a:lnT w="25400" cap="flat" cmpd="dbl" algn="ctr">
+                      <a:solidFill>
+                        <a:srgbClr val="000000"/>
+                      </a:solidFill>
+                      <a:prstDash val="solid"/>
+                      <a:round/>
+                      <a:headEnd type="none" w="med" len="med"/>
+                      <a:tailEnd type="none" w="med" len="med"/>
+                    </a:lnT>
+                    <a:lnB w="6350" cap="flat" cmpd="sng" algn="ctr">
+                      <a:solidFill>
+                        <a:srgbClr val="000000"/>
+                      </a:solidFill>
+                      <a:prstDash val="solid"/>
+                      <a:round/>
+                      <a:headEnd type="none" w="med" len="med"/>
+                      <a:tailEnd type="none" w="med" len="med"/>
+                    </a:lnB>
+                  </a:tcPr>
+                </a:tc>
+                <a:tc>
+                  <a:txBody>
+                    <a:bodyPr/>
+                    <a:lstStyle/>
+                    <a:p>
+                      <a:pPr algn="r" fontAlgn="ctr"/>
+                      <a:r>
+                        <a:rPr lang="en-US" sz="1200" b="0" i="0" u="none" strike="noStrike" dirty="0">
+                          <a:solidFill>
+                            <a:srgbClr val="000000"/>
+                          </a:solidFill>
+                          <a:effectLst/>
+                          <a:latin typeface="游ゴシック" panose="020B0400000000000000" pitchFamily="34" charset="-128"/>
+                          <a:ea typeface="游ゴシック" panose="020B0400000000000000" pitchFamily="34" charset="-128"/>
+                        </a:rPr>
+                        <a:t>proposed method</a:t>
+                      </a:r>
+                    </a:p>
+                  </a:txBody>
+                  <a:tcPr marL="9525" marR="9525" marT="9525" marB="0" anchor="ctr">
+                    <a:lnL>
+                      <a:noFill/>
+                    </a:lnL>
+                    <a:lnR>
+                      <a:noFill/>
+                    </a:lnR>
+                    <a:lnT w="25400" cap="flat" cmpd="dbl" algn="ctr">
+                      <a:solidFill>
+                        <a:srgbClr val="000000"/>
+                      </a:solidFill>
+                      <a:prstDash val="solid"/>
+                      <a:round/>
+                      <a:headEnd type="none" w="med" len="med"/>
+                      <a:tailEnd type="none" w="med" len="med"/>
+                    </a:lnT>
+                    <a:lnB w="6350" cap="flat" cmpd="sng" algn="ctr">
+                      <a:solidFill>
+                        <a:srgbClr val="000000"/>
+                      </a:solidFill>
+                      <a:prstDash val="solid"/>
+                      <a:round/>
+                      <a:headEnd type="none" w="med" len="med"/>
+                      <a:tailEnd type="none" w="med" len="med"/>
+                    </a:lnB>
+                  </a:tcPr>
+                </a:tc>
+                <a:extLst>
+                  <a:ext uri="{0D108BD9-81ED-4DB2-BD59-A6C34878D82A}">
+                    <a16:rowId xmlns:a16="http://schemas.microsoft.com/office/drawing/2014/main" val="4181148793"/>
+                  </a:ext>
+                </a:extLst>
+              </a:tr>
+              <a:tr h="175215">
+                <a:tc>
+                  <a:txBody>
+                    <a:bodyPr/>
+                    <a:lstStyle/>
+                    <a:p>
+                      <a:pPr algn="l" fontAlgn="ctr"/>
+                      <a:r>
+                        <a:rPr lang="en-US" sz="1200" b="0" i="0" u="none" strike="noStrike">
+                          <a:solidFill>
+                            <a:srgbClr val="000000"/>
+                          </a:solidFill>
+                          <a:effectLst/>
+                          <a:latin typeface="游ゴシック" panose="020B0400000000000000" pitchFamily="34" charset="-128"/>
+                          <a:ea typeface="游ゴシック" panose="020B0400000000000000" pitchFamily="34" charset="-128"/>
+                        </a:rPr>
+                        <a:t>precision</a:t>
+                      </a:r>
+                    </a:p>
+                  </a:txBody>
+                  <a:tcPr marL="9525" marR="9525" marT="9525" marB="0" anchor="ctr">
+                    <a:lnL>
+                      <a:noFill/>
+                    </a:lnL>
+                    <a:lnR w="6350" cap="flat" cmpd="sng" algn="ctr">
+                      <a:solidFill>
+                        <a:srgbClr val="000000"/>
+                      </a:solidFill>
+                      <a:prstDash val="solid"/>
+                      <a:round/>
+                      <a:headEnd type="none" w="med" len="med"/>
+                      <a:tailEnd type="none" w="med" len="med"/>
+                    </a:lnR>
+                    <a:lnT w="6350" cap="flat" cmpd="sng" algn="ctr">
+                      <a:solidFill>
+                        <a:srgbClr val="000000"/>
+                      </a:solidFill>
+                      <a:prstDash val="solid"/>
+                      <a:round/>
+                      <a:headEnd type="none" w="med" len="med"/>
+                      <a:tailEnd type="none" w="med" len="med"/>
+                    </a:lnT>
+                    <a:lnB>
+                      <a:noFill/>
+                    </a:lnB>
+                  </a:tcPr>
+                </a:tc>
+                <a:tc>
+                  <a:txBody>
+                    <a:bodyPr/>
+                    <a:lstStyle/>
+                    <a:p>
+                      <a:pPr algn="r" fontAlgn="ctr"/>
+                      <a:r>
+                        <a:rPr lang="en-US" altLang="ja-JP" sz="1200" b="0" i="0" u="none" strike="noStrike" dirty="0">
+                          <a:solidFill>
+                            <a:srgbClr val="000000"/>
+                          </a:solidFill>
+                          <a:effectLst/>
+                          <a:latin typeface="游ゴシック" panose="020B0400000000000000" pitchFamily="34" charset="-128"/>
+                          <a:ea typeface="游ゴシック" panose="020B0400000000000000" pitchFamily="34" charset="-128"/>
+                        </a:rPr>
+                        <a:t>0.1455</a:t>
+                      </a:r>
+                    </a:p>
+                  </a:txBody>
+                  <a:tcPr marL="9525" marR="9525" marT="9525" marB="0" anchor="ctr">
+                    <a:lnL w="6350" cap="flat" cmpd="sng" algn="ctr">
+                      <a:solidFill>
+                        <a:srgbClr val="000000"/>
+                      </a:solidFill>
+                      <a:prstDash val="solid"/>
+                      <a:round/>
+                      <a:headEnd type="none" w="med" len="med"/>
+                      <a:tailEnd type="none" w="med" len="med"/>
+                    </a:lnL>
+                    <a:lnR>
+                      <a:noFill/>
+                    </a:lnR>
+                    <a:lnT w="6350" cap="flat" cmpd="sng" algn="ctr">
+                      <a:solidFill>
+                        <a:srgbClr val="000000"/>
+                      </a:solidFill>
+                      <a:prstDash val="solid"/>
+                      <a:round/>
+                      <a:headEnd type="none" w="med" len="med"/>
+                      <a:tailEnd type="none" w="med" len="med"/>
+                    </a:lnT>
+                    <a:lnB>
+                      <a:noFill/>
+                    </a:lnB>
+                  </a:tcPr>
+                </a:tc>
+                <a:tc>
+                  <a:txBody>
+                    <a:bodyPr/>
+                    <a:lstStyle/>
+                    <a:p>
+                      <a:pPr algn="r" fontAlgn="ctr"/>
+                      <a:r>
+                        <a:rPr lang="en-US" altLang="ja-JP" sz="1200" b="0" i="0" u="none" strike="noStrike" dirty="0">
+                          <a:solidFill>
+                            <a:srgbClr val="000000"/>
+                          </a:solidFill>
+                          <a:effectLst/>
+                          <a:latin typeface="游ゴシック" panose="020B0400000000000000" pitchFamily="34" charset="-128"/>
+                          <a:ea typeface="游ゴシック" panose="020B0400000000000000" pitchFamily="34" charset="-128"/>
+                        </a:rPr>
+                        <a:t>0.0381</a:t>
+                      </a:r>
+                    </a:p>
+                  </a:txBody>
+                  <a:tcPr marL="9525" marR="9525" marT="9525" marB="0" anchor="ctr">
+                    <a:lnL>
+                      <a:noFill/>
+                    </a:lnL>
+                    <a:lnR>
+                      <a:noFill/>
+                    </a:lnR>
+                    <a:lnT w="6350" cap="flat" cmpd="sng" algn="ctr">
+                      <a:solidFill>
+                        <a:srgbClr val="000000"/>
+                      </a:solidFill>
+                      <a:prstDash val="solid"/>
+                      <a:round/>
+                      <a:headEnd type="none" w="med" len="med"/>
+                      <a:tailEnd type="none" w="med" len="med"/>
+                    </a:lnT>
+                    <a:lnB>
+                      <a:noFill/>
+                    </a:lnB>
+                  </a:tcPr>
+                </a:tc>
+                <a:extLst>
+                  <a:ext uri="{0D108BD9-81ED-4DB2-BD59-A6C34878D82A}">
+                    <a16:rowId xmlns:a16="http://schemas.microsoft.com/office/drawing/2014/main" val="1737075985"/>
+                  </a:ext>
+                </a:extLst>
+              </a:tr>
+              <a:tr h="175215">
+                <a:tc>
+                  <a:txBody>
+                    <a:bodyPr/>
+                    <a:lstStyle/>
+                    <a:p>
+                      <a:pPr algn="l" fontAlgn="ctr"/>
+                      <a:r>
+                        <a:rPr lang="en-US" sz="1200" b="0" i="0" u="none" strike="noStrike" dirty="0">
+                          <a:solidFill>
+                            <a:srgbClr val="000000"/>
+                          </a:solidFill>
+                          <a:effectLst/>
+                          <a:latin typeface="游ゴシック" panose="020B0400000000000000" pitchFamily="34" charset="-128"/>
+                          <a:ea typeface="游ゴシック" panose="020B0400000000000000" pitchFamily="34" charset="-128"/>
+                        </a:rPr>
+                        <a:t>recall</a:t>
+                      </a:r>
+                    </a:p>
+                  </a:txBody>
+                  <a:tcPr marL="9525" marR="9525" marT="9525" marB="0" anchor="ctr">
+                    <a:lnL>
+                      <a:noFill/>
+                    </a:lnL>
+                    <a:lnR w="6350" cap="flat" cmpd="sng" algn="ctr">
+                      <a:solidFill>
+                        <a:srgbClr val="000000"/>
+                      </a:solidFill>
+                      <a:prstDash val="solid"/>
+                      <a:round/>
+                      <a:headEnd type="none" w="med" len="med"/>
+                      <a:tailEnd type="none" w="med" len="med"/>
+                    </a:lnR>
+                    <a:lnT>
+                      <a:noFill/>
+                    </a:lnT>
+                    <a:lnB>
+                      <a:noFill/>
+                    </a:lnB>
+                  </a:tcPr>
+                </a:tc>
+                <a:tc>
+                  <a:txBody>
+                    <a:bodyPr/>
+                    <a:lstStyle/>
+                    <a:p>
+                      <a:pPr algn="r" fontAlgn="ctr"/>
+                      <a:r>
+                        <a:rPr lang="en-US" altLang="ja-JP" sz="1200" b="0" i="0" u="none" strike="noStrike" dirty="0">
+                          <a:solidFill>
+                            <a:srgbClr val="000000"/>
+                          </a:solidFill>
+                          <a:effectLst/>
+                          <a:latin typeface="游ゴシック" panose="020B0400000000000000" pitchFamily="34" charset="-128"/>
+                          <a:ea typeface="游ゴシック" panose="020B0400000000000000" pitchFamily="34" charset="-128"/>
+                        </a:rPr>
+                        <a:t>0.1239</a:t>
+                      </a:r>
+                    </a:p>
+                  </a:txBody>
+                  <a:tcPr marL="9525" marR="9525" marT="9525" marB="0" anchor="ctr">
+                    <a:lnL w="6350" cap="flat" cmpd="sng" algn="ctr">
+                      <a:solidFill>
+                        <a:srgbClr val="000000"/>
+                      </a:solidFill>
+                      <a:prstDash val="solid"/>
+                      <a:round/>
+                      <a:headEnd type="none" w="med" len="med"/>
+                      <a:tailEnd type="none" w="med" len="med"/>
+                    </a:lnL>
+                    <a:lnR>
+                      <a:noFill/>
+                    </a:lnR>
+                    <a:lnT>
+                      <a:noFill/>
+                    </a:lnT>
+                    <a:lnB>
+                      <a:noFill/>
+                    </a:lnB>
+                  </a:tcPr>
+                </a:tc>
+                <a:tc>
+                  <a:txBody>
+                    <a:bodyPr/>
+                    <a:lstStyle/>
+                    <a:p>
+                      <a:pPr algn="r" fontAlgn="ctr"/>
+                      <a:r>
+                        <a:rPr lang="en-US" altLang="ja-JP" sz="1200" b="0" i="0" u="none" strike="noStrike" dirty="0">
+                          <a:solidFill>
+                            <a:srgbClr val="000000"/>
+                          </a:solidFill>
+                          <a:effectLst/>
+                          <a:latin typeface="游ゴシック" panose="020B0400000000000000" pitchFamily="34" charset="-128"/>
+                          <a:ea typeface="游ゴシック" panose="020B0400000000000000" pitchFamily="34" charset="-128"/>
+                        </a:rPr>
+                        <a:t>0.052</a:t>
+                      </a:r>
+                    </a:p>
+                  </a:txBody>
+                  <a:tcPr marL="9525" marR="9525" marT="9525" marB="0" anchor="ctr">
+                    <a:lnL>
+                      <a:noFill/>
+                    </a:lnL>
+                    <a:lnR>
+                      <a:noFill/>
+                    </a:lnR>
+                    <a:lnT>
+                      <a:noFill/>
+                    </a:lnT>
+                    <a:lnB>
+                      <a:noFill/>
+                    </a:lnB>
+                  </a:tcPr>
+                </a:tc>
+                <a:extLst>
+                  <a:ext uri="{0D108BD9-81ED-4DB2-BD59-A6C34878D82A}">
+                    <a16:rowId xmlns:a16="http://schemas.microsoft.com/office/drawing/2014/main" val="3946433616"/>
+                  </a:ext>
+                </a:extLst>
+              </a:tr>
+              <a:tr h="153089">
+                <a:tc>
+                  <a:txBody>
+                    <a:bodyPr/>
+                    <a:lstStyle/>
+                    <a:p>
+                      <a:pPr algn="l" fontAlgn="ctr"/>
+                      <a:r>
+                        <a:rPr lang="en-US" sz="1200" b="0" i="0" u="none" strike="noStrike" dirty="0">
+                          <a:solidFill>
+                            <a:srgbClr val="000000"/>
+                          </a:solidFill>
+                          <a:effectLst/>
+                          <a:latin typeface="游ゴシック" panose="020B0400000000000000" pitchFamily="34" charset="-128"/>
+                          <a:ea typeface="游ゴシック" panose="020B0400000000000000" pitchFamily="34" charset="-128"/>
+                        </a:rPr>
+                        <a:t>F1</a:t>
+                      </a:r>
+                    </a:p>
+                  </a:txBody>
+                  <a:tcPr marL="9525" marR="9525" marT="9525" marB="0" anchor="ctr">
+                    <a:lnL>
+                      <a:noFill/>
+                    </a:lnL>
+                    <a:lnR w="6350" cap="flat" cmpd="sng" algn="ctr">
+                      <a:solidFill>
+                        <a:srgbClr val="000000"/>
+                      </a:solidFill>
+                      <a:prstDash val="solid"/>
+                      <a:round/>
+                      <a:headEnd type="none" w="med" len="med"/>
+                      <a:tailEnd type="none" w="med" len="med"/>
+                    </a:lnR>
+                    <a:lnT>
+                      <a:noFill/>
+                    </a:lnT>
+                    <a:lnB w="12700" cap="flat" cmpd="sng" algn="ctr">
+                      <a:solidFill>
+                        <a:schemeClr val="tx1"/>
+                      </a:solidFill>
+                      <a:prstDash val="solid"/>
+                      <a:round/>
+                      <a:headEnd type="none" w="med" len="med"/>
+                      <a:tailEnd type="none" w="med" len="med"/>
+                    </a:lnB>
+                  </a:tcPr>
+                </a:tc>
+                <a:tc>
+                  <a:txBody>
+                    <a:bodyPr/>
+                    <a:lstStyle/>
+                    <a:p>
+                      <a:pPr algn="r" fontAlgn="ctr"/>
+                      <a:r>
+                        <a:rPr lang="en-US" altLang="ja-JP" sz="1200" b="0" i="0" u="none" strike="noStrike" dirty="0">
+                          <a:solidFill>
+                            <a:srgbClr val="000000"/>
+                          </a:solidFill>
+                          <a:effectLst/>
+                          <a:latin typeface="游ゴシック" panose="020B0400000000000000" pitchFamily="34" charset="-128"/>
+                          <a:ea typeface="游ゴシック" panose="020B0400000000000000" pitchFamily="34" charset="-128"/>
+                        </a:rPr>
+                        <a:t>0.1338</a:t>
+                      </a:r>
+                    </a:p>
+                  </a:txBody>
+                  <a:tcPr marL="9525" marR="9525" marT="9525" marB="0" anchor="ctr">
+                    <a:lnL w="6350" cap="flat" cmpd="sng" algn="ctr">
+                      <a:solidFill>
+                        <a:srgbClr val="000000"/>
+                      </a:solidFill>
+                      <a:prstDash val="solid"/>
+                      <a:round/>
+                      <a:headEnd type="none" w="med" len="med"/>
+                      <a:tailEnd type="none" w="med" len="med"/>
+                    </a:lnL>
+                    <a:lnR>
+                      <a:noFill/>
+                    </a:lnR>
+                    <a:lnT>
+                      <a:noFill/>
+                    </a:lnT>
+                    <a:lnB w="12700" cap="flat" cmpd="sng" algn="ctr">
+                      <a:solidFill>
+                        <a:schemeClr val="tx1"/>
+                      </a:solidFill>
+                      <a:prstDash val="solid"/>
+                      <a:round/>
+                      <a:headEnd type="none" w="med" len="med"/>
+                      <a:tailEnd type="none" w="med" len="med"/>
+                    </a:lnB>
+                  </a:tcPr>
+                </a:tc>
+                <a:tc>
+                  <a:txBody>
+                    <a:bodyPr/>
+                    <a:lstStyle/>
+                    <a:p>
+                      <a:pPr algn="r" fontAlgn="ctr"/>
+                      <a:r>
+                        <a:rPr lang="en-US" altLang="ja-JP" sz="1200" b="0" i="0" u="none" strike="noStrike" dirty="0">
+                          <a:solidFill>
+                            <a:srgbClr val="000000"/>
+                          </a:solidFill>
+                          <a:effectLst/>
+                          <a:latin typeface="游ゴシック" panose="020B0400000000000000" pitchFamily="34" charset="-128"/>
+                          <a:ea typeface="游ゴシック" panose="020B0400000000000000" pitchFamily="34" charset="-128"/>
+                        </a:rPr>
+                        <a:t>0.044 </a:t>
+                      </a:r>
+                    </a:p>
+                  </a:txBody>
+                  <a:tcPr marL="9525" marR="9525" marT="9525" marB="0" anchor="ctr">
+                    <a:lnL>
+                      <a:noFill/>
+                    </a:lnL>
+                    <a:lnR>
+                      <a:noFill/>
+                    </a:lnR>
+                    <a:lnT>
+                      <a:noFill/>
+                    </a:lnT>
+                    <a:lnB w="12700" cap="flat" cmpd="sng" algn="ctr">
+                      <a:solidFill>
+                        <a:schemeClr val="tx1"/>
+                      </a:solidFill>
+                      <a:prstDash val="solid"/>
+                      <a:round/>
+                      <a:headEnd type="none" w="med" len="med"/>
+                      <a:tailEnd type="none" w="med" len="med"/>
+                    </a:lnB>
+                  </a:tcPr>
+                </a:tc>
+                <a:extLst>
+                  <a:ext uri="{0D108BD9-81ED-4DB2-BD59-A6C34878D82A}">
+                    <a16:rowId xmlns:a16="http://schemas.microsoft.com/office/drawing/2014/main" val="2664739640"/>
+                  </a:ext>
+                </a:extLst>
+              </a:tr>
+              <a:tr h="175215">
+                <a:tc>
+                  <a:txBody>
+                    <a:bodyPr/>
+                    <a:lstStyle/>
+                    <a:p>
+                      <a:pPr algn="l" fontAlgn="ctr">
+                        <a:lnSpc>
+                          <a:spcPct val="100000"/>
+                        </a:lnSpc>
+                      </a:pPr>
+                      <a:endParaRPr lang="en-US" sz="1200" b="0" i="0" u="none" strike="noStrike" dirty="0">
+                        <a:solidFill>
+                          <a:srgbClr val="000000"/>
+                        </a:solidFill>
+                        <a:effectLst/>
+                        <a:latin typeface="游ゴシック" panose="020B0400000000000000" pitchFamily="34" charset="-128"/>
+                        <a:ea typeface="游ゴシック" panose="020B0400000000000000" pitchFamily="34" charset="-128"/>
+                      </a:endParaRPr>
+                    </a:p>
+                  </a:txBody>
+                  <a:tcPr marL="9525" marR="9525" marT="9525" marB="0" anchor="ctr">
+                    <a:lnL>
+                      <a:noFill/>
+                    </a:lnL>
+                    <a:lnR w="6350" cap="flat" cmpd="sng" algn="ctr">
+                      <a:noFill/>
+                      <a:prstDash val="solid"/>
+                      <a:round/>
+                      <a:headEnd type="none" w="med" len="med"/>
+                      <a:tailEnd type="none" w="med" len="med"/>
+                    </a:lnR>
+                    <a:lnT w="12700" cap="flat" cmpd="sng" algn="ctr">
+                      <a:solidFill>
+                        <a:schemeClr val="tx1"/>
+                      </a:solidFill>
+                      <a:prstDash val="solid"/>
+                      <a:round/>
+                      <a:headEnd type="none" w="med" len="med"/>
+                      <a:tailEnd type="none" w="med" len="med"/>
+                    </a:lnT>
+                    <a:lnB w="12700" cap="flat" cmpd="sng" algn="ctr">
+                      <a:noFill/>
+                      <a:prstDash val="solid"/>
+                      <a:round/>
+                      <a:headEnd type="none" w="med" len="med"/>
+                      <a:tailEnd type="none" w="med" len="med"/>
+                    </a:lnB>
+                    <a:lnTlToBr w="12700" cmpd="sng">
+                      <a:noFill/>
+                      <a:prstDash val="solid"/>
+                    </a:lnTlToBr>
+                    <a:lnBlToTr w="12700" cmpd="sng">
+                      <a:noFill/>
+                      <a:prstDash val="solid"/>
+                    </a:lnBlToTr>
+                  </a:tcPr>
+                </a:tc>
+                <a:tc>
+                  <a:txBody>
+                    <a:bodyPr/>
+                    <a:lstStyle/>
+                    <a:p>
+                      <a:pPr algn="r" fontAlgn="ctr"/>
+                      <a:endParaRPr lang="en-US" altLang="ja-JP" sz="1200" b="0" i="0" u="none" strike="noStrike" dirty="0">
+                        <a:solidFill>
+                          <a:srgbClr val="000000"/>
+                        </a:solidFill>
+                        <a:effectLst/>
+                        <a:latin typeface="游ゴシック" panose="020B0400000000000000" pitchFamily="34" charset="-128"/>
+                        <a:ea typeface="游ゴシック" panose="020B0400000000000000" pitchFamily="34" charset="-128"/>
+                      </a:endParaRPr>
+                    </a:p>
+                  </a:txBody>
+                  <a:tcPr marL="9525" marR="9525" marT="9525" marB="0" anchor="ctr">
+                    <a:lnL w="6350" cap="flat" cmpd="sng" algn="ctr">
+                      <a:noFill/>
+                      <a:prstDash val="solid"/>
+                      <a:round/>
+                      <a:headEnd type="none" w="med" len="med"/>
+                      <a:tailEnd type="none" w="med" len="med"/>
+                    </a:lnL>
+                    <a:lnR>
+                      <a:noFill/>
+                    </a:lnR>
+                    <a:lnT w="12700" cap="flat" cmpd="sng" algn="ctr">
+                      <a:solidFill>
+                        <a:schemeClr val="tx1"/>
+                      </a:solidFill>
+                      <a:prstDash val="solid"/>
+                      <a:round/>
+                      <a:headEnd type="none" w="med" len="med"/>
+                      <a:tailEnd type="none" w="med" len="med"/>
+                    </a:lnT>
+                    <a:lnB w="12700" cap="flat" cmpd="sng" algn="ctr">
+                      <a:noFill/>
+                      <a:prstDash val="solid"/>
+                      <a:round/>
+                      <a:headEnd type="none" w="med" len="med"/>
+                      <a:tailEnd type="none" w="med" len="med"/>
+                    </a:lnB>
+                    <a:lnTlToBr w="12700" cmpd="sng">
+                      <a:noFill/>
+                      <a:prstDash val="solid"/>
+                    </a:lnTlToBr>
+                    <a:lnBlToTr w="12700" cmpd="sng">
+                      <a:noFill/>
+                      <a:prstDash val="solid"/>
+                    </a:lnBlToTr>
+                  </a:tcPr>
+                </a:tc>
+                <a:tc>
+                  <a:txBody>
+                    <a:bodyPr/>
+                    <a:lstStyle/>
+                    <a:p>
+                      <a:pPr algn="r" fontAlgn="ctr"/>
+                      <a:endParaRPr lang="en-US" altLang="ja-JP" sz="1200" b="0" i="0" u="none" strike="noStrike" dirty="0">
+                        <a:solidFill>
+                          <a:srgbClr val="000000"/>
+                        </a:solidFill>
+                        <a:effectLst/>
+                        <a:latin typeface="游ゴシック" panose="020B0400000000000000" pitchFamily="34" charset="-128"/>
+                        <a:ea typeface="游ゴシック" panose="020B0400000000000000" pitchFamily="34" charset="-128"/>
+                      </a:endParaRPr>
+                    </a:p>
+                  </a:txBody>
+                  <a:tcPr marL="9525" marR="9525" marT="9525" marB="0" anchor="ctr">
+                    <a:lnL>
+                      <a:noFill/>
+                    </a:lnL>
+                    <a:lnR>
+                      <a:noFill/>
+                    </a:lnR>
+                    <a:lnT w="12700" cap="flat" cmpd="sng" algn="ctr">
+                      <a:solidFill>
+                        <a:schemeClr val="tx1"/>
+                      </a:solidFill>
+                      <a:prstDash val="solid"/>
+                      <a:round/>
+                      <a:headEnd type="none" w="med" len="med"/>
+                      <a:tailEnd type="none" w="med" len="med"/>
+                    </a:lnT>
+                    <a:lnB w="12700" cap="flat" cmpd="sng" algn="ctr">
+                      <a:noFill/>
+                      <a:prstDash val="solid"/>
+                      <a:round/>
+                      <a:headEnd type="none" w="med" len="med"/>
+                      <a:tailEnd type="none" w="med" len="med"/>
+                    </a:lnB>
+                    <a:lnTlToBr w="12700" cmpd="sng">
+                      <a:noFill/>
+                      <a:prstDash val="solid"/>
+                    </a:lnTlToBr>
+                    <a:lnBlToTr w="12700" cmpd="sng">
+                      <a:noFill/>
+                      <a:prstDash val="solid"/>
+                    </a:lnBlToTr>
+                  </a:tcPr>
+                </a:tc>
+                <a:extLst>
+                  <a:ext uri="{0D108BD9-81ED-4DB2-BD59-A6C34878D82A}">
+                    <a16:rowId xmlns:a16="http://schemas.microsoft.com/office/drawing/2014/main" val="1345468879"/>
+                  </a:ext>
+                </a:extLst>
+              </a:tr>
+              <a:tr h="175215">
+                <a:tc gridSpan="3">
+                  <a:txBody>
+                    <a:bodyPr/>
+                    <a:lstStyle/>
+                    <a:p>
+                      <a:pPr algn="l" fontAlgn="ctr">
+                        <a:lnSpc>
+                          <a:spcPct val="150000"/>
+                        </a:lnSpc>
+                      </a:pPr>
+                      <a:r>
+                        <a:rPr kumimoji="1" lang="en-US" altLang="ja-JP" sz="1200" b="1" i="0" kern="1200" dirty="0">
+                          <a:solidFill>
+                            <a:schemeClr val="tx1"/>
+                          </a:solidFill>
+                          <a:effectLst/>
+                          <a:latin typeface="Hiragino Mincho Pro W3" panose="02020300000000000000" pitchFamily="18" charset="-128"/>
+                          <a:ea typeface="Hiragino Mincho Pro W3" panose="02020300000000000000" pitchFamily="18" charset="-128"/>
+                          <a:cs typeface="+mn-cs"/>
+                        </a:rPr>
+                        <a:t>Precision</a:t>
+                      </a:r>
+                      <a:r>
+                        <a:rPr kumimoji="1" lang="en-US" altLang="ja-JP" sz="1200" b="0" i="0" kern="1200" dirty="0">
+                          <a:solidFill>
+                            <a:schemeClr val="tx1"/>
+                          </a:solidFill>
+                          <a:effectLst/>
+                          <a:latin typeface="Hiragino Mincho Pro W3" panose="02020300000000000000" pitchFamily="18" charset="-128"/>
+                          <a:ea typeface="Hiragino Mincho Pro W3" panose="02020300000000000000" pitchFamily="18" charset="-128"/>
+                          <a:cs typeface="+mn-cs"/>
+                        </a:rPr>
+                        <a:t> - Precision is the ratio of correctly predicted positive observations to the total predicted positive observations. </a:t>
+                      </a:r>
+                    </a:p>
+                    <a:p>
+                      <a:pPr algn="l" fontAlgn="ctr">
+                        <a:lnSpc>
+                          <a:spcPct val="150000"/>
+                        </a:lnSpc>
+                      </a:pPr>
+                      <a:r>
+                        <a:rPr kumimoji="1" lang="en-US" altLang="ja-JP" sz="1200" b="1" i="0" kern="1200" dirty="0">
+                          <a:solidFill>
+                            <a:schemeClr val="tx1"/>
+                          </a:solidFill>
+                          <a:effectLst/>
+                          <a:latin typeface="Hiragino Mincho Pro W3" panose="02020300000000000000" pitchFamily="18" charset="-128"/>
+                          <a:ea typeface="Hiragino Mincho Pro W3" panose="02020300000000000000" pitchFamily="18" charset="-128"/>
+                          <a:cs typeface="+mn-cs"/>
+                        </a:rPr>
+                        <a:t>Recall </a:t>
+                      </a:r>
+                      <a:r>
+                        <a:rPr kumimoji="1" lang="en-US" altLang="ja-JP" sz="1200" b="0" i="0" kern="1200" dirty="0">
+                          <a:solidFill>
+                            <a:schemeClr val="tx1"/>
+                          </a:solidFill>
+                          <a:effectLst/>
+                          <a:latin typeface="Hiragino Mincho Pro W3" panose="02020300000000000000" pitchFamily="18" charset="-128"/>
+                          <a:ea typeface="Hiragino Mincho Pro W3" panose="02020300000000000000" pitchFamily="18" charset="-128"/>
+                          <a:cs typeface="+mn-cs"/>
+                        </a:rPr>
+                        <a:t>(Sensitivity) - Recall is the ratio of correctly predicted positive observations to the all observations in actual class.</a:t>
+                      </a:r>
+                      <a:endParaRPr lang="en-US" sz="1200" b="0" i="0" u="none" strike="noStrike" dirty="0">
+                        <a:solidFill>
+                          <a:srgbClr val="000000"/>
+                        </a:solidFill>
+                        <a:effectLst/>
+                        <a:latin typeface="Hiragino Mincho Pro W3" panose="02020300000000000000" pitchFamily="18" charset="-128"/>
+                        <a:ea typeface="Hiragino Mincho Pro W3" panose="02020300000000000000" pitchFamily="18" charset="-128"/>
+                      </a:endParaRPr>
+                    </a:p>
+                  </a:txBody>
+                  <a:tcPr marL="9525" marR="9525" marT="9525" marB="0" anchor="ctr">
+                    <a:lnL>
+                      <a:noFill/>
+                    </a:lnL>
+                    <a:lnR w="6350" cap="flat" cmpd="sng" algn="ctr">
+                      <a:noFill/>
+                      <a:prstDash val="solid"/>
+                      <a:round/>
+                      <a:headEnd type="none" w="med" len="med"/>
+                      <a:tailEnd type="none" w="med" len="med"/>
+                    </a:lnR>
+                    <a:lnT w="12700" cap="flat" cmpd="sng" algn="ctr">
+                      <a:noFill/>
+                      <a:prstDash val="solid"/>
+                      <a:round/>
+                      <a:headEnd type="none" w="med" len="med"/>
+                      <a:tailEnd type="none" w="med" len="med"/>
+                    </a:lnT>
+                    <a:lnB w="12700" cap="flat" cmpd="sng" algn="ctr">
+                      <a:noFill/>
+                      <a:prstDash val="solid"/>
+                      <a:round/>
+                      <a:headEnd type="none" w="med" len="med"/>
+                      <a:tailEnd type="none" w="med" len="med"/>
+                    </a:lnB>
+                    <a:lnTlToBr w="12700" cmpd="sng">
+                      <a:noFill/>
+                      <a:prstDash val="solid"/>
+                    </a:lnTlToBr>
+                    <a:lnBlToTr w="12700" cmpd="sng">
+                      <a:noFill/>
+                      <a:prstDash val="solid"/>
+                    </a:lnBlToTr>
+                  </a:tcPr>
+                </a:tc>
+                <a:tc hMerge="1">
+                  <a:txBody>
+                    <a:bodyPr/>
+                    <a:lstStyle/>
+                    <a:p>
+                      <a:pPr algn="r" fontAlgn="ctr"/>
+                      <a:endParaRPr lang="en-US" altLang="ja-JP" sz="1200" b="0" i="0" u="none" strike="noStrike" dirty="0">
+                        <a:solidFill>
+                          <a:srgbClr val="000000"/>
+                        </a:solidFill>
+                        <a:effectLst/>
+                        <a:latin typeface="游ゴシック" panose="020B0400000000000000" pitchFamily="34" charset="-128"/>
+                        <a:ea typeface="游ゴシック" panose="020B0400000000000000" pitchFamily="34" charset="-128"/>
+                      </a:endParaRPr>
+                    </a:p>
+                  </a:txBody>
+                  <a:tcPr marL="9525" marR="9525" marT="9525" marB="0" anchor="ctr">
+                    <a:lnL w="6350" cap="flat" cmpd="sng" algn="ctr">
+                      <a:noFill/>
+                      <a:prstDash val="solid"/>
+                      <a:round/>
+                      <a:headEnd type="none" w="med" len="med"/>
+                      <a:tailEnd type="none" w="med" len="med"/>
+                    </a:lnL>
+                    <a:lnR>
+                      <a:noFill/>
+                    </a:lnR>
+                    <a:lnT w="12700" cap="flat" cmpd="sng" algn="ctr">
+                      <a:noFill/>
+                      <a:prstDash val="solid"/>
+                      <a:round/>
+                      <a:headEnd type="none" w="med" len="med"/>
+                      <a:tailEnd type="none" w="med" len="med"/>
+                    </a:lnT>
+                    <a:lnB w="12700" cap="flat" cmpd="sng" algn="ctr">
+                      <a:noFill/>
+                      <a:prstDash val="solid"/>
+                      <a:round/>
+                      <a:headEnd type="none" w="med" len="med"/>
+                      <a:tailEnd type="none" w="med" len="med"/>
+                    </a:lnB>
+                    <a:lnTlToBr w="12700" cmpd="sng">
+                      <a:noFill/>
+                      <a:prstDash val="solid"/>
+                    </a:lnTlToBr>
+                    <a:lnBlToTr w="12700" cmpd="sng">
+                      <a:noFill/>
+                      <a:prstDash val="solid"/>
+                    </a:lnBlToTr>
+                  </a:tcPr>
+                </a:tc>
+                <a:tc hMerge="1">
+                  <a:txBody>
+                    <a:bodyPr/>
+                    <a:lstStyle/>
+                    <a:p>
+                      <a:pPr algn="r" fontAlgn="ctr"/>
+                      <a:endParaRPr lang="en-US" altLang="ja-JP" sz="1200" b="0" i="0" u="none" strike="noStrike" dirty="0">
+                        <a:solidFill>
+                          <a:srgbClr val="000000"/>
+                        </a:solidFill>
+                        <a:effectLst/>
+                        <a:latin typeface="游ゴシック" panose="020B0400000000000000" pitchFamily="34" charset="-128"/>
+                        <a:ea typeface="游ゴシック" panose="020B0400000000000000" pitchFamily="34" charset="-128"/>
+                      </a:endParaRPr>
+                    </a:p>
+                  </a:txBody>
+                  <a:tcPr marL="9525" marR="9525" marT="9525" marB="0" anchor="ctr">
+                    <a:lnL>
+                      <a:noFill/>
+                    </a:lnL>
+                    <a:lnR>
+                      <a:noFill/>
+                    </a:lnR>
+                    <a:lnT w="12700" cap="flat" cmpd="sng" algn="ctr">
+                      <a:noFill/>
+                      <a:prstDash val="solid"/>
+                      <a:round/>
+                      <a:headEnd type="none" w="med" len="med"/>
+                      <a:tailEnd type="none" w="med" len="med"/>
+                    </a:lnT>
+                    <a:lnB w="12700" cap="flat" cmpd="sng" algn="ctr">
+                      <a:noFill/>
+                      <a:prstDash val="solid"/>
+                      <a:round/>
+                      <a:headEnd type="none" w="med" len="med"/>
+                      <a:tailEnd type="none" w="med" len="med"/>
+                    </a:lnB>
+                    <a:lnTlToBr w="12700" cmpd="sng">
+                      <a:noFill/>
+                      <a:prstDash val="solid"/>
+                    </a:lnTlToBr>
+                    <a:lnBlToTr w="12700" cmpd="sng">
+                      <a:noFill/>
+                      <a:prstDash val="solid"/>
+                    </a:lnBlToTr>
+                  </a:tcPr>
+                </a:tc>
+                <a:extLst>
+                  <a:ext uri="{0D108BD9-81ED-4DB2-BD59-A6C34878D82A}">
+                    <a16:rowId xmlns:a16="http://schemas.microsoft.com/office/drawing/2014/main" val="3780637768"/>
+                  </a:ext>
+                </a:extLst>
+              </a:tr>
+              <a:tr h="0">
+                <a:tc gridSpan="3">
+                  <a:txBody>
+                    <a:bodyPr/>
+                    <a:lstStyle/>
+                    <a:p>
+                      <a:pPr algn="l" fontAlgn="ctr">
+                        <a:lnSpc>
+                          <a:spcPct val="150000"/>
+                        </a:lnSpc>
+                      </a:pPr>
+                      <a:r>
+                        <a:rPr kumimoji="1" lang="en-US" altLang="ja-JP" sz="1200" b="1" i="0" kern="1200" dirty="0">
+                          <a:solidFill>
+                            <a:schemeClr val="tx1"/>
+                          </a:solidFill>
+                          <a:effectLst/>
+                          <a:latin typeface="Hiragino Mincho Pro W3" panose="02020300000000000000" pitchFamily="18" charset="-128"/>
+                          <a:ea typeface="Hiragino Mincho Pro W3" panose="02020300000000000000" pitchFamily="18" charset="-128"/>
+                          <a:cs typeface="+mn-cs"/>
+                        </a:rPr>
+                        <a:t>F1 score</a:t>
+                      </a:r>
+                      <a:r>
+                        <a:rPr kumimoji="1" lang="en-US" altLang="ja-JP" sz="1200" b="0" i="0" kern="1200" dirty="0">
+                          <a:solidFill>
+                            <a:schemeClr val="tx1"/>
+                          </a:solidFill>
+                          <a:effectLst/>
+                          <a:latin typeface="Hiragino Mincho Pro W3" panose="02020300000000000000" pitchFamily="18" charset="-128"/>
+                          <a:ea typeface="Hiragino Mincho Pro W3" panose="02020300000000000000" pitchFamily="18" charset="-128"/>
+                          <a:cs typeface="+mn-cs"/>
+                        </a:rPr>
+                        <a:t> - F1 Score is the weighted average of Precision and Recall. </a:t>
+                      </a:r>
+                      <a:endParaRPr lang="en-US" sz="1200" b="0" i="0" u="none" strike="noStrike" dirty="0">
+                        <a:solidFill>
+                          <a:srgbClr val="000000"/>
+                        </a:solidFill>
+                        <a:effectLst/>
+                        <a:latin typeface="Hiragino Mincho Pro W3" panose="02020300000000000000" pitchFamily="18" charset="-128"/>
+                        <a:ea typeface="Hiragino Mincho Pro W3" panose="02020300000000000000" pitchFamily="18" charset="-128"/>
+                      </a:endParaRPr>
+                    </a:p>
+                  </a:txBody>
+                  <a:tcPr marL="9525" marR="9525" marT="9525" marB="0" anchor="ctr">
+                    <a:lnL>
+                      <a:noFill/>
+                    </a:lnL>
+                    <a:lnR w="6350" cap="flat" cmpd="sng" algn="ctr">
+                      <a:noFill/>
+                      <a:prstDash val="solid"/>
+                      <a:round/>
+                      <a:headEnd type="none" w="med" len="med"/>
+                      <a:tailEnd type="none" w="med" len="med"/>
+                    </a:lnR>
+                    <a:lnT w="12700" cap="flat" cmpd="sng" algn="ctr">
+                      <a:noFill/>
+                      <a:prstDash val="solid"/>
+                      <a:round/>
+                      <a:headEnd type="none" w="med" len="med"/>
+                      <a:tailEnd type="none" w="med" len="med"/>
+                    </a:lnT>
+                    <a:lnB w="12700" cap="flat" cmpd="sng" algn="ctr">
+                      <a:noFill/>
+                      <a:prstDash val="solid"/>
+                      <a:round/>
+                      <a:headEnd type="none" w="med" len="med"/>
+                      <a:tailEnd type="none" w="med" len="med"/>
+                    </a:lnB>
+                    <a:lnTlToBr w="12700" cmpd="sng">
+                      <a:noFill/>
+                      <a:prstDash val="solid"/>
+                    </a:lnTlToBr>
+                    <a:lnBlToTr w="12700" cmpd="sng">
+                      <a:noFill/>
+                      <a:prstDash val="solid"/>
+                    </a:lnBlToTr>
+                  </a:tcPr>
+                </a:tc>
+                <a:tc hMerge="1">
+                  <a:txBody>
+                    <a:bodyPr/>
+                    <a:lstStyle/>
+                    <a:p>
+                      <a:pPr algn="r" fontAlgn="ctr"/>
+                      <a:endParaRPr lang="en-US" altLang="ja-JP" sz="1200" b="0" i="0" u="none" strike="noStrike" dirty="0">
+                        <a:solidFill>
+                          <a:srgbClr val="000000"/>
+                        </a:solidFill>
+                        <a:effectLst/>
+                        <a:latin typeface="游ゴシック" panose="020B0400000000000000" pitchFamily="34" charset="-128"/>
+                        <a:ea typeface="游ゴシック" panose="020B0400000000000000" pitchFamily="34" charset="-128"/>
+                      </a:endParaRPr>
+                    </a:p>
+                  </a:txBody>
+                  <a:tcPr marL="9525" marR="9525" marT="9525" marB="0" anchor="ctr">
+                    <a:lnL w="6350" cap="flat" cmpd="sng" algn="ctr">
+                      <a:noFill/>
+                      <a:prstDash val="solid"/>
+                      <a:round/>
+                      <a:headEnd type="none" w="med" len="med"/>
+                      <a:tailEnd type="none" w="med" len="med"/>
+                    </a:lnL>
+                    <a:lnR>
+                      <a:noFill/>
+                    </a:lnR>
+                    <a:lnT w="12700" cap="flat" cmpd="sng" algn="ctr">
+                      <a:noFill/>
+                      <a:prstDash val="solid"/>
+                      <a:round/>
+                      <a:headEnd type="none" w="med" len="med"/>
+                      <a:tailEnd type="none" w="med" len="med"/>
+                    </a:lnT>
+                    <a:lnB w="12700" cap="flat" cmpd="sng" algn="ctr">
+                      <a:noFill/>
+                      <a:prstDash val="solid"/>
+                      <a:round/>
+                      <a:headEnd type="none" w="med" len="med"/>
+                      <a:tailEnd type="none" w="med" len="med"/>
+                    </a:lnB>
+                    <a:lnTlToBr w="12700" cmpd="sng">
+                      <a:noFill/>
+                      <a:prstDash val="solid"/>
+                    </a:lnTlToBr>
+                    <a:lnBlToTr w="12700" cmpd="sng">
+                      <a:noFill/>
+                      <a:prstDash val="solid"/>
+                    </a:lnBlToTr>
+                  </a:tcPr>
+                </a:tc>
+                <a:tc hMerge="1">
+                  <a:txBody>
+                    <a:bodyPr/>
+                    <a:lstStyle/>
+                    <a:p>
+                      <a:pPr algn="r" fontAlgn="ctr"/>
+                      <a:endParaRPr lang="en-US" altLang="ja-JP" sz="1200" b="0" i="0" u="none" strike="noStrike" dirty="0">
+                        <a:solidFill>
+                          <a:srgbClr val="000000"/>
+                        </a:solidFill>
+                        <a:effectLst/>
+                        <a:latin typeface="游ゴシック" panose="020B0400000000000000" pitchFamily="34" charset="-128"/>
+                        <a:ea typeface="游ゴシック" panose="020B0400000000000000" pitchFamily="34" charset="-128"/>
+                      </a:endParaRPr>
+                    </a:p>
+                  </a:txBody>
+                  <a:tcPr marL="9525" marR="9525" marT="9525" marB="0" anchor="ctr">
+                    <a:lnL>
+                      <a:noFill/>
+                    </a:lnL>
+                    <a:lnR>
+                      <a:noFill/>
+                    </a:lnR>
+                    <a:lnT w="12700" cap="flat" cmpd="sng" algn="ctr">
+                      <a:noFill/>
+                      <a:prstDash val="solid"/>
+                      <a:round/>
+                      <a:headEnd type="none" w="med" len="med"/>
+                      <a:tailEnd type="none" w="med" len="med"/>
+                    </a:lnT>
+                    <a:lnB w="12700" cap="flat" cmpd="sng" algn="ctr">
+                      <a:noFill/>
+                      <a:prstDash val="solid"/>
+                      <a:round/>
+                      <a:headEnd type="none" w="med" len="med"/>
+                      <a:tailEnd type="none" w="med" len="med"/>
+                    </a:lnB>
+                    <a:lnTlToBr w="12700" cmpd="sng">
+                      <a:noFill/>
+                      <a:prstDash val="solid"/>
+                    </a:lnTlToBr>
+                    <a:lnBlToTr w="12700" cmpd="sng">
+                      <a:noFill/>
+                      <a:prstDash val="solid"/>
+                    </a:lnBlToTr>
+                  </a:tcPr>
+                </a:tc>
+                <a:extLst>
+                  <a:ext uri="{0D108BD9-81ED-4DB2-BD59-A6C34878D82A}">
+                    <a16:rowId xmlns:a16="http://schemas.microsoft.com/office/drawing/2014/main" val="3524173648"/>
+                  </a:ext>
+                </a:extLst>
+              </a:tr>
+            </a:tbl>
+          </a:graphicData>
+        </a:graphic>
+      </p:graphicFrame>
+      <mc:AlternateContent xmlns:mc="http://schemas.openxmlformats.org/markup-compatibility/2006">
+        <mc:Choice xmlns:a14="http://schemas.microsoft.com/office/drawing/2010/main" Requires="a14">
+          <p:sp>
+            <p:nvSpPr>
+              <p:cNvPr id="5" name="テキスト ボックス 4">
+                <a:extLst>
+                  <a:ext uri="{FF2B5EF4-FFF2-40B4-BE49-F238E27FC236}">
+                    <a16:creationId xmlns:a16="http://schemas.microsoft.com/office/drawing/2014/main" id="{0ECDEF5B-D1C5-2643-A2BF-F3DE045FD666}"/>
+                  </a:ext>
+                </a:extLst>
+              </p:cNvPr>
+              <p:cNvSpPr txBox="1"/>
+              <p:nvPr/>
+            </p:nvSpPr>
+            <p:spPr>
+              <a:xfrm>
+                <a:off x="1735734" y="5622469"/>
+                <a:ext cx="4816318" cy="1235531"/>
+              </a:xfrm>
+              <a:prstGeom prst="rect">
+                <a:avLst/>
+              </a:prstGeom>
+              <a:noFill/>
+            </p:spPr>
+            <p:txBody>
+              <a:bodyPr wrap="none" rtlCol="0">
+                <a:spAutoFit/>
+              </a:bodyPr>
+              <a:lstStyle/>
+              <a:p>
+                <a:pPr algn="ctr"/>
+                <a:r>
+                  <a:rPr kumimoji="1" lang="en-US" altLang="ja-JP" sz="1200" dirty="0"/>
+                  <a:t>precision</a:t>
+                </a:r>
+                <a14:m>
+                  <m:oMath xmlns:m="http://schemas.openxmlformats.org/officeDocument/2006/math">
+                    <m:r>
+                      <a:rPr kumimoji="1" lang="el-GR" altLang="ja-JP" i="1" smtClean="0"/>
+                      <m:t>=</m:t>
+                    </m:r>
+                    <m:f>
+                      <m:fPr>
+                        <m:ctrlPr>
+                          <a:rPr kumimoji="1" lang="el-GR" altLang="ja-JP" i="1" smtClean="0"/>
+                        </m:ctrlPr>
+                      </m:fPr>
+                      <m:num>
+                        <m:r>
+                          <a:rPr kumimoji="1" lang="en-US" altLang="ja-JP" b="0" i="1" smtClean="0"/>
+                          <m:t>𝑡𝑟𝑢𝑒</m:t>
+                        </m:r>
+                        <m:r>
+                          <a:rPr kumimoji="1" lang="en-US" altLang="ja-JP" b="0" i="1" smtClean="0"/>
+                          <m:t> </m:t>
+                        </m:r>
+                        <m:r>
+                          <a:rPr kumimoji="1" lang="en-US" altLang="ja-JP" b="0" i="1" smtClean="0"/>
+                          <m:t>𝑝𝑜𝑠𝑖𝑡𝑖𝑣𝑒</m:t>
+                        </m:r>
+                      </m:num>
+                      <m:den>
+                        <m:r>
+                          <a:rPr kumimoji="1" lang="en-US" altLang="ja-JP" b="0" i="1" smtClean="0"/>
+                          <m:t>𝑡𝑟𝑢𝑒</m:t>
+                        </m:r>
+                        <m:r>
+                          <a:rPr kumimoji="1" lang="en-US" altLang="ja-JP" b="0" i="1" smtClean="0"/>
+                          <m:t> </m:t>
+                        </m:r>
+                        <m:r>
+                          <a:rPr kumimoji="1" lang="en-US" altLang="ja-JP" b="0" i="1" smtClean="0"/>
+                          <m:t>𝑝𝑜𝑠𝑖𝑡𝑖𝑣𝑒</m:t>
+                        </m:r>
+                        <m:r>
+                          <a:rPr kumimoji="1" lang="en-US" altLang="ja-JP" b="0" i="1" smtClean="0"/>
+                          <m:t>+</m:t>
+                        </m:r>
+                        <m:r>
+                          <a:rPr kumimoji="1" lang="en-US" altLang="ja-JP" b="0" i="1" smtClean="0"/>
+                          <m:t>𝑓𝑎𝑙𝑠𝑒</m:t>
+                        </m:r>
+                        <m:r>
+                          <a:rPr kumimoji="1" lang="en-US" altLang="ja-JP" b="0" i="1" smtClean="0"/>
+                          <m:t> </m:t>
+                        </m:r>
+                        <m:r>
+                          <a:rPr kumimoji="1" lang="en-US" altLang="ja-JP" b="0" i="1" smtClean="0"/>
+                          <m:t>𝑝𝑜𝑠𝑖𝑡𝑖𝑣𝑒</m:t>
+                        </m:r>
+                      </m:den>
+                    </m:f>
+                  </m:oMath>
+                </a14:m>
+                <a:endParaRPr kumimoji="1" lang="en-US" altLang="ja-JP" dirty="0"/>
+              </a:p>
+              <a:p>
+                <a:pPr algn="ctr"/>
+                <a:endParaRPr kumimoji="1" lang="en-US" altLang="ja-JP" dirty="0"/>
+              </a:p>
+              <a:p>
+                <a:pPr algn="ctr"/>
+                <a:r>
+                  <a:rPr lang="en-US" altLang="ja-JP" sz="1200" dirty="0"/>
+                  <a:t>recall</a:t>
+                </a:r>
+                <a14:m>
+                  <m:oMath xmlns:m="http://schemas.openxmlformats.org/officeDocument/2006/math">
+                    <m:r>
+                      <a:rPr lang="el-GR" altLang="ja-JP" i="1"/>
+                      <m:t>=</m:t>
+                    </m:r>
+                    <m:f>
+                      <m:fPr>
+                        <m:ctrlPr>
+                          <a:rPr lang="el-GR" altLang="ja-JP" i="1"/>
+                        </m:ctrlPr>
+                      </m:fPr>
+                      <m:num>
+                        <m:r>
+                          <a:rPr lang="en-US" altLang="ja-JP" i="1"/>
+                          <m:t>𝑡𝑟𝑢𝑒</m:t>
+                        </m:r>
+                        <m:r>
+                          <a:rPr lang="en-US" altLang="ja-JP" i="1"/>
+                          <m:t> </m:t>
+                        </m:r>
+                        <m:r>
+                          <a:rPr lang="en-US" altLang="ja-JP" i="1"/>
+                          <m:t>𝑝𝑜𝑠𝑖𝑡𝑖𝑣𝑒</m:t>
+                        </m:r>
+                      </m:num>
+                      <m:den>
+                        <m:r>
+                          <a:rPr lang="en-US" altLang="ja-JP" i="1"/>
+                          <m:t>𝑡𝑟𝑢𝑒</m:t>
+                        </m:r>
+                        <m:r>
+                          <a:rPr lang="en-US" altLang="ja-JP" i="1"/>
+                          <m:t> </m:t>
+                        </m:r>
+                        <m:r>
+                          <a:rPr lang="en-US" altLang="ja-JP" i="1"/>
+                          <m:t>𝑝𝑜𝑠𝑖𝑡𝑖𝑣𝑒</m:t>
+                        </m:r>
+                        <m:r>
+                          <a:rPr lang="en-US" altLang="ja-JP" i="1"/>
+                          <m:t>+</m:t>
+                        </m:r>
+                        <m:r>
+                          <a:rPr lang="en-US" altLang="ja-JP" b="0" i="1" smtClean="0"/>
+                          <m:t>𝑛𝑒𝑔𝑎𝑡𝑖𝑣𝑒</m:t>
+                        </m:r>
+                      </m:den>
+                    </m:f>
+                    <m:r>
+                      <a:rPr lang="ja-JP" altLang="en-US" b="0" i="0" smtClean="0">
+                        <a:latin typeface="Cambria Math" panose="02040503050406030204" pitchFamily="18" charset="0"/>
+                      </a:rPr>
+                      <m:t>　</m:t>
+                    </m:r>
+                  </m:oMath>
+                </a14:m>
+                <a:r>
+                  <a:rPr lang="en-US" altLang="ja-JP" sz="1200" dirty="0"/>
+                  <a:t>F1</a:t>
+                </a:r>
+                <a14:m>
+                  <m:oMath xmlns:m="http://schemas.openxmlformats.org/officeDocument/2006/math">
+                    <m:r>
+                      <a:rPr lang="en-US" altLang="ja-JP" i="1" dirty="0" smtClean="0">
+                        <a:latin typeface="Cambria Math" panose="02040503050406030204" pitchFamily="18" charset="0"/>
+                      </a:rPr>
+                      <m:t>=</m:t>
+                    </m:r>
+                    <m:f>
+                      <m:fPr>
+                        <m:ctrlPr>
+                          <a:rPr lang="el-GR" altLang="ja-JP" i="1"/>
+                        </m:ctrlPr>
+                      </m:fPr>
+                      <m:num>
+                        <m:r>
+                          <a:rPr lang="en-US" altLang="ja-JP" b="0" i="1" smtClean="0">
+                            <a:latin typeface="Cambria Math" panose="02040503050406030204" pitchFamily="18" charset="0"/>
+                          </a:rPr>
+                          <m:t>2∗</m:t>
+                        </m:r>
+                        <m:r>
+                          <a:rPr lang="en-US" altLang="ja-JP" b="0" i="1" smtClean="0">
+                            <a:latin typeface="Cambria Math" panose="02040503050406030204" pitchFamily="18" charset="0"/>
+                          </a:rPr>
+                          <m:t>𝑝𝑟𝑒𝑐𝑖𝑠𝑖𝑜𝑛</m:t>
+                        </m:r>
+                        <m:r>
+                          <a:rPr lang="en-US" altLang="ja-JP" b="0" i="1" smtClean="0">
+                            <a:latin typeface="Cambria Math" panose="02040503050406030204" pitchFamily="18" charset="0"/>
+                          </a:rPr>
+                          <m:t>∗</m:t>
+                        </m:r>
+                        <m:r>
+                          <a:rPr lang="en-US" altLang="ja-JP" b="0" i="1" smtClean="0">
+                            <a:latin typeface="Cambria Math" panose="02040503050406030204" pitchFamily="18" charset="0"/>
+                          </a:rPr>
+                          <m:t>𝑟𝑒𝑐𝑎𝑙𝑙</m:t>
+                        </m:r>
+                      </m:num>
+                      <m:den>
+                        <m:r>
+                          <a:rPr lang="en-US" altLang="ja-JP" b="0" i="1" smtClean="0">
+                            <a:latin typeface="Cambria Math" panose="02040503050406030204" pitchFamily="18" charset="0"/>
+                          </a:rPr>
+                          <m:t>𝑝𝑟𝑒𝑐𝑖𝑠𝑖𝑜𝑛</m:t>
+                        </m:r>
+                        <m:r>
+                          <a:rPr lang="en-US" altLang="ja-JP" b="0" i="1" smtClean="0">
+                            <a:latin typeface="Cambria Math" panose="02040503050406030204" pitchFamily="18" charset="0"/>
+                          </a:rPr>
+                          <m:t>+</m:t>
+                        </m:r>
+                        <m:r>
+                          <a:rPr lang="en-US" altLang="ja-JP" b="0" i="1" smtClean="0">
+                            <a:latin typeface="Cambria Math" panose="02040503050406030204" pitchFamily="18" charset="0"/>
+                          </a:rPr>
+                          <m:t>𝑟𝑒𝑐𝑎𝑙𝑙</m:t>
+                        </m:r>
+                      </m:den>
+                    </m:f>
+                  </m:oMath>
+                </a14:m>
+                <a:endParaRPr lang="en-US" altLang="ja-JP" dirty="0"/>
+              </a:p>
+            </p:txBody>
+          </p:sp>
+        </mc:Choice>
+        <mc:Fallback>
+          <p:sp>
+            <p:nvSpPr>
+              <p:cNvPr id="5" name="テキスト ボックス 4">
+                <a:extLst>
+                  <a:ext uri="{FF2B5EF4-FFF2-40B4-BE49-F238E27FC236}">
+                    <a16:creationId xmlns:a16="http://schemas.microsoft.com/office/drawing/2014/main" id="{0ECDEF5B-D1C5-2643-A2BF-F3DE045FD666}"/>
+                  </a:ext>
+                </a:extLst>
+              </p:cNvPr>
+              <p:cNvSpPr txBox="1">
+                <a:spLocks noRot="1" noChangeAspect="1" noMove="1" noResize="1" noEditPoints="1" noAdjustHandles="1" noChangeArrowheads="1" noChangeShapeType="1" noTextEdit="1"/>
+              </p:cNvSpPr>
+              <p:nvPr/>
+            </p:nvSpPr>
+            <p:spPr>
+              <a:xfrm>
+                <a:off x="1735734" y="5622469"/>
+                <a:ext cx="4816318" cy="1235531"/>
+              </a:xfrm>
+              <a:prstGeom prst="rect">
+                <a:avLst/>
+              </a:prstGeom>
+              <a:blipFill>
+                <a:blip r:embed="rId2"/>
+                <a:stretch>
+                  <a:fillRect b="-1020"/>
+                </a:stretch>
+              </a:blipFill>
+            </p:spPr>
+            <p:txBody>
+              <a:bodyPr/>
+              <a:lstStyle/>
+              <a:p>
+                <a:r>
+                  <a:rPr lang="ja-JP" altLang="en-US">
+                    <a:noFill/>
+                  </a:rPr>
+                  <a:t> </a:t>
+                </a:r>
+              </a:p>
+            </p:txBody>
+          </p:sp>
+        </mc:Fallback>
+      </mc:AlternateContent>
+    </p:spTree>
+    <p:extLst>
+      <p:ext uri="{BB962C8B-B14F-4D97-AF65-F5344CB8AC3E}">
+        <p14:creationId xmlns:p14="http://schemas.microsoft.com/office/powerpoint/2010/main" val="998306496"/>
       </p:ext>
     </p:extLst>
   </p:cSld>

--- a/textemp_apris2019/image/プレゼンテーション3.pptx
+++ b/textemp_apris2019/image/プレゼンテーション3.pptx
@@ -198,7 +198,7 @@
           <a:p>
             <a:fld id="{B1CDD767-E37F-8A43-B215-50F03AF2F6E5}" type="datetimeFigureOut">
               <a:rPr kumimoji="1" lang="ja-JP" altLang="en-US" smtClean="0"/>
-              <a:t>2019/10/13</a:t>
+              <a:t>2019/10/17</a:t>
             </a:fld>
             <a:endParaRPr kumimoji="1" lang="ja-JP" altLang="en-US"/>
           </a:p>
@@ -703,7 +703,7 @@
           <a:p>
             <a:fld id="{6E628ED1-882E-EE48-8BCE-2CC78510EFE8}" type="datetimeFigureOut">
               <a:rPr kumimoji="1" lang="ja-JP" altLang="en-US" smtClean="0"/>
-              <a:t>2019/10/13</a:t>
+              <a:t>2019/10/17</a:t>
             </a:fld>
             <a:endParaRPr kumimoji="1" lang="ja-JP" altLang="en-US"/>
           </a:p>
@@ -908,7 +908,7 @@
           <a:p>
             <a:fld id="{6E628ED1-882E-EE48-8BCE-2CC78510EFE8}" type="datetimeFigureOut">
               <a:rPr kumimoji="1" lang="ja-JP" altLang="en-US" smtClean="0"/>
-              <a:t>2019/10/13</a:t>
+              <a:t>2019/10/17</a:t>
             </a:fld>
             <a:endParaRPr kumimoji="1" lang="ja-JP" altLang="en-US"/>
           </a:p>
@@ -1123,7 +1123,7 @@
           <a:p>
             <a:fld id="{6E628ED1-882E-EE48-8BCE-2CC78510EFE8}" type="datetimeFigureOut">
               <a:rPr kumimoji="1" lang="ja-JP" altLang="en-US" smtClean="0"/>
-              <a:t>2019/10/13</a:t>
+              <a:t>2019/10/17</a:t>
             </a:fld>
             <a:endParaRPr kumimoji="1" lang="ja-JP" altLang="en-US"/>
           </a:p>
@@ -1328,7 +1328,7 @@
           <a:p>
             <a:fld id="{6E628ED1-882E-EE48-8BCE-2CC78510EFE8}" type="datetimeFigureOut">
               <a:rPr kumimoji="1" lang="ja-JP" altLang="en-US" smtClean="0"/>
-              <a:t>2019/10/13</a:t>
+              <a:t>2019/10/17</a:t>
             </a:fld>
             <a:endParaRPr kumimoji="1" lang="ja-JP" altLang="en-US"/>
           </a:p>
@@ -1638,7 +1638,7 @@
           <a:p>
             <a:fld id="{6E628ED1-882E-EE48-8BCE-2CC78510EFE8}" type="datetimeFigureOut">
               <a:rPr kumimoji="1" lang="ja-JP" altLang="en-US" smtClean="0"/>
-              <a:t>2019/10/13</a:t>
+              <a:t>2019/10/17</a:t>
             </a:fld>
             <a:endParaRPr kumimoji="1" lang="ja-JP" altLang="en-US"/>
           </a:p>
@@ -1917,7 +1917,7 @@
           <a:p>
             <a:fld id="{6E628ED1-882E-EE48-8BCE-2CC78510EFE8}" type="datetimeFigureOut">
               <a:rPr kumimoji="1" lang="ja-JP" altLang="en-US" smtClean="0"/>
-              <a:t>2019/10/13</a:t>
+              <a:t>2019/10/17</a:t>
             </a:fld>
             <a:endParaRPr kumimoji="1" lang="ja-JP" altLang="en-US"/>
           </a:p>
@@ -2413,7 +2413,7 @@
           <a:p>
             <a:fld id="{6E628ED1-882E-EE48-8BCE-2CC78510EFE8}" type="datetimeFigureOut">
               <a:rPr kumimoji="1" lang="ja-JP" altLang="en-US" smtClean="0"/>
-              <a:t>2019/10/13</a:t>
+              <a:t>2019/10/17</a:t>
             </a:fld>
             <a:endParaRPr kumimoji="1" lang="ja-JP" altLang="en-US"/>
           </a:p>
@@ -2554,7 +2554,7 @@
           <a:p>
             <a:fld id="{6E628ED1-882E-EE48-8BCE-2CC78510EFE8}" type="datetimeFigureOut">
               <a:rPr kumimoji="1" lang="ja-JP" altLang="en-US" smtClean="0"/>
-              <a:t>2019/10/13</a:t>
+              <a:t>2019/10/17</a:t>
             </a:fld>
             <a:endParaRPr kumimoji="1" lang="ja-JP" altLang="en-US"/>
           </a:p>
@@ -2667,7 +2667,7 @@
           <a:p>
             <a:fld id="{6E628ED1-882E-EE48-8BCE-2CC78510EFE8}" type="datetimeFigureOut">
               <a:rPr kumimoji="1" lang="ja-JP" altLang="en-US" smtClean="0"/>
-              <a:t>2019/10/13</a:t>
+              <a:t>2019/10/17</a:t>
             </a:fld>
             <a:endParaRPr kumimoji="1" lang="ja-JP" altLang="en-US"/>
           </a:p>
@@ -3020,7 +3020,7 @@
           <a:p>
             <a:fld id="{6E628ED1-882E-EE48-8BCE-2CC78510EFE8}" type="datetimeFigureOut">
               <a:rPr kumimoji="1" lang="ja-JP" altLang="en-US" smtClean="0"/>
-              <a:t>2019/10/13</a:t>
+              <a:t>2019/10/17</a:t>
             </a:fld>
             <a:endParaRPr kumimoji="1" lang="ja-JP" altLang="en-US"/>
           </a:p>
@@ -3343,7 +3343,7 @@
           <a:p>
             <a:fld id="{6E628ED1-882E-EE48-8BCE-2CC78510EFE8}" type="datetimeFigureOut">
               <a:rPr kumimoji="1" lang="ja-JP" altLang="en-US" smtClean="0"/>
-              <a:t>2019/10/13</a:t>
+              <a:t>2019/10/17</a:t>
             </a:fld>
             <a:endParaRPr kumimoji="1" lang="ja-JP" altLang="en-US"/>
           </a:p>
@@ -3591,7 +3591,7 @@
           <a:p>
             <a:fld id="{6E628ED1-882E-EE48-8BCE-2CC78510EFE8}" type="datetimeFigureOut">
               <a:rPr kumimoji="1" lang="ja-JP" altLang="en-US" smtClean="0"/>
-              <a:t>2019/10/13</a:t>
+              <a:t>2019/10/17</a:t>
             </a:fld>
             <a:endParaRPr kumimoji="1" lang="ja-JP" altLang="en-US"/>
           </a:p>
@@ -4023,7 +4023,7 @@
           <p:nvPr>
             <p:extLst>
               <p:ext uri="{D42A27DB-BD31-4B8C-83A1-F6EECF244321}">
-                <p14:modId xmlns:p14="http://schemas.microsoft.com/office/powerpoint/2010/main" val="233741590"/>
+                <p14:modId xmlns:p14="http://schemas.microsoft.com/office/powerpoint/2010/main" val="3986622351"/>
               </p:ext>
             </p:extLst>
           </p:nvPr>
@@ -4117,9 +4117,9 @@
                     <a:bodyPr/>
                     <a:lstStyle/>
                     <a:p>
-                      <a:pPr algn="l" fontAlgn="ctr"/>
+                      <a:pPr algn="r" fontAlgn="ctr"/>
                       <a:r>
-                        <a:rPr lang="en-US" sz="1200" b="0" i="0" u="none" strike="noStrike">
+                        <a:rPr lang="en-US" sz="1200" b="0" i="0" u="none" strike="noStrike" dirty="0">
                           <a:solidFill>
                             <a:srgbClr val="000000"/>
                           </a:solidFill>
@@ -4169,7 +4169,7 @@
                     <a:bodyPr/>
                     <a:lstStyle/>
                     <a:p>
-                      <a:pPr algn="l" fontAlgn="ctr"/>
+                      <a:pPr algn="r" fontAlgn="ctr"/>
                       <a:r>
                         <a:rPr lang="en-US" sz="1200" b="0" i="0" u="none" strike="noStrike" dirty="0">
                           <a:solidFill>
@@ -4403,7 +4403,7 @@
                     <a:p>
                       <a:pPr algn="r" fontAlgn="ctr"/>
                       <a:r>
-                        <a:rPr lang="en-US" altLang="ja-JP" sz="1200" b="0" i="0" u="none" strike="noStrike">
+                        <a:rPr lang="en-US" altLang="ja-JP" sz="1200" b="0" i="0" u="none" strike="noStrike" dirty="0">
                           <a:solidFill>
                             <a:srgbClr val="000000"/>
                           </a:solidFill>
@@ -5702,6 +5702,41 @@
           </a:graphicData>
         </a:graphic>
       </p:graphicFrame>
+      <p:sp>
+        <p:nvSpPr>
+          <p:cNvPr id="2" name="テキスト ボックス 1">
+            <a:extLst>
+              <a:ext uri="{FF2B5EF4-FFF2-40B4-BE49-F238E27FC236}">
+                <a16:creationId xmlns:a16="http://schemas.microsoft.com/office/drawing/2014/main" id="{65FCDD88-34C6-3C4C-BAA4-CFD903BFD7F0}"/>
+              </a:ext>
+            </a:extLst>
+          </p:cNvPr>
+          <p:cNvSpPr txBox="1"/>
+          <p:nvPr/>
+        </p:nvSpPr>
+        <p:spPr>
+          <a:xfrm>
+            <a:off x="2557220" y="6168325"/>
+            <a:ext cx="3052439" cy="369332"/>
+          </a:xfrm>
+          <a:prstGeom prst="rect">
+            <a:avLst/>
+          </a:prstGeom>
+          <a:noFill/>
+        </p:spPr>
+        <p:txBody>
+          <a:bodyPr wrap="none" rtlCol="0">
+            <a:spAutoFit/>
+          </a:bodyPr>
+          <a:lstStyle/>
+          <a:p>
+            <a:r>
+              <a:rPr kumimoji="1" lang="en-US" altLang="ja-JP" dirty="0"/>
+              <a:t>Carnegie Mellon University</a:t>
+            </a:r>
+          </a:p>
+        </p:txBody>
+      </p:sp>
     </p:spTree>
     <p:extLst>
       <p:ext uri="{BB962C8B-B14F-4D97-AF65-F5344CB8AC3E}">
@@ -5747,35 +5782,35 @@
           <p:nvPr>
             <p:extLst>
               <p:ext uri="{D42A27DB-BD31-4B8C-83A1-F6EECF244321}">
-                <p14:modId xmlns:p14="http://schemas.microsoft.com/office/powerpoint/2010/main" val="1741519343"/>
+                <p14:modId xmlns:p14="http://schemas.microsoft.com/office/powerpoint/2010/main" val="543824669"/>
               </p:ext>
             </p:extLst>
           </p:nvPr>
         </p:nvGraphicFramePr>
         <p:xfrm>
           <a:off x="4005035" y="2068534"/>
-          <a:ext cx="4443225" cy="2901315"/>
+          <a:ext cx="4875494" cy="2352675"/>
         </p:xfrm>
         <a:graphic>
           <a:graphicData uri="http://schemas.openxmlformats.org/drawingml/2006/table">
             <a:tbl>
               <a:tblPr/>
               <a:tblGrid>
-                <a:gridCol w="2176273">
+                <a:gridCol w="2387997">
                   <a:extLst>
                     <a:ext uri="{9D8B030D-6E8A-4147-A177-3AD203B41FA5}">
                       <a16:colId xmlns:a16="http://schemas.microsoft.com/office/drawing/2014/main" val="2580001590"/>
                     </a:ext>
                   </a:extLst>
                 </a:gridCol>
-                <a:gridCol w="829057">
+                <a:gridCol w="909713">
                   <a:extLst>
                     <a:ext uri="{9D8B030D-6E8A-4147-A177-3AD203B41FA5}">
                       <a16:colId xmlns:a16="http://schemas.microsoft.com/office/drawing/2014/main" val="1499510946"/>
                     </a:ext>
                   </a:extLst>
                 </a:gridCol>
-                <a:gridCol w="1437895">
+                <a:gridCol w="1577784">
                   <a:extLst>
                     <a:ext uri="{9D8B030D-6E8A-4147-A177-3AD203B41FA5}">
                       <a16:colId xmlns:a16="http://schemas.microsoft.com/office/drawing/2014/main" val="358495317"/>
@@ -6753,7 +6788,7 @@
                           <a:ea typeface="Hiragino Mincho Pro W3" panose="02020300000000000000" pitchFamily="18" charset="-128"/>
                           <a:cs typeface="+mn-cs"/>
                         </a:rPr>
-                        <a:t> - F1 Score is the weighted average of Precision and Recall. </a:t>
+                        <a:t> - F1 Score is the harmony mean of Precision and Recall. </a:t>
                       </a:r>
                       <a:endParaRPr lang="en-US" sz="1200" b="0" i="0" u="none" strike="noStrike" dirty="0">
                         <a:solidFill>
@@ -6908,8 +6943,8 @@
           </a:graphicData>
         </a:graphic>
       </p:graphicFrame>
-      <mc:AlternateContent xmlns:mc="http://schemas.openxmlformats.org/markup-compatibility/2006">
-        <mc:Choice xmlns:a14="http://schemas.microsoft.com/office/drawing/2010/main" Requires="a14">
+      <mc:AlternateContent xmlns:mc="http://schemas.openxmlformats.org/markup-compatibility/2006" xmlns:a14="http://schemas.microsoft.com/office/drawing/2010/main">
+        <mc:Choice Requires="a14">
           <p:sp>
             <p:nvSpPr>
               <p:cNvPr id="5" name="テキスト ボックス 4">
@@ -6946,56 +6981,80 @@
                 <a14:m>
                   <m:oMath xmlns:m="http://schemas.openxmlformats.org/officeDocument/2006/math">
                     <m:r>
-                      <a:rPr kumimoji="1" lang="el-GR" altLang="ja-JP" i="1" smtClean="0"/>
+                      <a:rPr kumimoji="1" lang="el-GR" altLang="ja-JP" i="1" smtClean="0">
+                        <a:latin typeface="Cambria Math" panose="02040503050406030204" pitchFamily="18" charset="0"/>
+                      </a:rPr>
                       <m:t>=</m:t>
                     </m:r>
                     <m:f>
                       <m:fPr>
                         <m:ctrlPr>
-                          <a:rPr kumimoji="1" lang="el-GR" altLang="ja-JP" i="1" smtClean="0"/>
+                          <a:rPr kumimoji="1" lang="el-GR" altLang="ja-JP" i="1" smtClean="0">
+                            <a:latin typeface="Cambria Math" panose="02040503050406030204" pitchFamily="18" charset="0"/>
+                          </a:rPr>
                         </m:ctrlPr>
                       </m:fPr>
                       <m:num>
                         <m:r>
-                          <a:rPr kumimoji="1" lang="en-US" altLang="ja-JP" b="0" i="1" smtClean="0"/>
+                          <a:rPr kumimoji="1" lang="en-US" altLang="ja-JP" b="0" i="1" smtClean="0">
+                            <a:latin typeface="Cambria Math" panose="02040503050406030204" pitchFamily="18" charset="0"/>
+                          </a:rPr>
                           <m:t>𝑡𝑟𝑢𝑒</m:t>
                         </m:r>
                         <m:r>
-                          <a:rPr kumimoji="1" lang="en-US" altLang="ja-JP" b="0" i="1" smtClean="0"/>
+                          <a:rPr kumimoji="1" lang="en-US" altLang="ja-JP" b="0" i="1" smtClean="0">
+                            <a:latin typeface="Cambria Math" panose="02040503050406030204" pitchFamily="18" charset="0"/>
+                          </a:rPr>
                           <m:t> </m:t>
                         </m:r>
                         <m:r>
-                          <a:rPr kumimoji="1" lang="en-US" altLang="ja-JP" b="0" i="1" smtClean="0"/>
+                          <a:rPr kumimoji="1" lang="en-US" altLang="ja-JP" b="0" i="1" smtClean="0">
+                            <a:latin typeface="Cambria Math" panose="02040503050406030204" pitchFamily="18" charset="0"/>
+                          </a:rPr>
                           <m:t>𝑝𝑜𝑠𝑖𝑡𝑖𝑣𝑒</m:t>
                         </m:r>
                       </m:num>
                       <m:den>
                         <m:r>
-                          <a:rPr kumimoji="1" lang="en-US" altLang="ja-JP" b="0" i="1" smtClean="0"/>
+                          <a:rPr kumimoji="1" lang="en-US" altLang="ja-JP" b="0" i="1" smtClean="0">
+                            <a:latin typeface="Cambria Math" panose="02040503050406030204" pitchFamily="18" charset="0"/>
+                          </a:rPr>
                           <m:t>𝑡𝑟𝑢𝑒</m:t>
                         </m:r>
                         <m:r>
-                          <a:rPr kumimoji="1" lang="en-US" altLang="ja-JP" b="0" i="1" smtClean="0"/>
+                          <a:rPr kumimoji="1" lang="en-US" altLang="ja-JP" b="0" i="1" smtClean="0">
+                            <a:latin typeface="Cambria Math" panose="02040503050406030204" pitchFamily="18" charset="0"/>
+                          </a:rPr>
                           <m:t> </m:t>
                         </m:r>
                         <m:r>
-                          <a:rPr kumimoji="1" lang="en-US" altLang="ja-JP" b="0" i="1" smtClean="0"/>
+                          <a:rPr kumimoji="1" lang="en-US" altLang="ja-JP" b="0" i="1" smtClean="0">
+                            <a:latin typeface="Cambria Math" panose="02040503050406030204" pitchFamily="18" charset="0"/>
+                          </a:rPr>
                           <m:t>𝑝𝑜𝑠𝑖𝑡𝑖𝑣𝑒</m:t>
                         </m:r>
                         <m:r>
-                          <a:rPr kumimoji="1" lang="en-US" altLang="ja-JP" b="0" i="1" smtClean="0"/>
+                          <a:rPr kumimoji="1" lang="en-US" altLang="ja-JP" b="0" i="1" smtClean="0">
+                            <a:latin typeface="Cambria Math" panose="02040503050406030204" pitchFamily="18" charset="0"/>
+                          </a:rPr>
                           <m:t>+</m:t>
                         </m:r>
                         <m:r>
-                          <a:rPr kumimoji="1" lang="en-US" altLang="ja-JP" b="0" i="1" smtClean="0"/>
+                          <a:rPr kumimoji="1" lang="en-US" altLang="ja-JP" b="0" i="1" smtClean="0">
+                            <a:latin typeface="Cambria Math" panose="02040503050406030204" pitchFamily="18" charset="0"/>
+                          </a:rPr>
                           <m:t>𝑓𝑎𝑙𝑠𝑒</m:t>
                         </m:r>
                         <m:r>
-                          <a:rPr kumimoji="1" lang="en-US" altLang="ja-JP" b="0" i="1" smtClean="0"/>
+                          <a:rPr kumimoji="1" lang="en-US" altLang="ja-JP" b="0" i="1" smtClean="0">
+                            <a:latin typeface="Cambria Math" panose="02040503050406030204" pitchFamily="18" charset="0"/>
+                          </a:rPr>
                           <m:t> </m:t>
                         </m:r>
                         <m:r>
-                          <a:rPr kumimoji="1" lang="en-US" altLang="ja-JP" b="0" i="1" smtClean="0"/>
+                          <a:rPr kumimoji="1" lang="en-US" altLang="ja-JP" b="0" i="1" smtClean="0">
+                            <a:latin typeface="Cambria Math" panose="02040503050406030204" pitchFamily="18" charset="0"/>
+                          </a:rPr>
                           <m:t>𝑝𝑜𝑠𝑖𝑡𝑖𝑣𝑒</m:t>
                         </m:r>
                       </m:den>
@@ -7017,48 +7076,68 @@
                 <a14:m>
                   <m:oMath xmlns:m="http://schemas.openxmlformats.org/officeDocument/2006/math">
                     <m:r>
-                      <a:rPr lang="el-GR" altLang="ja-JP" i="1"/>
+                      <a:rPr lang="el-GR" altLang="ja-JP" i="1">
+                        <a:latin typeface="Cambria Math" panose="02040503050406030204" pitchFamily="18" charset="0"/>
+                      </a:rPr>
                       <m:t>=</m:t>
                     </m:r>
                     <m:f>
                       <m:fPr>
                         <m:ctrlPr>
-                          <a:rPr lang="el-GR" altLang="ja-JP" i="1"/>
+                          <a:rPr lang="el-GR" altLang="ja-JP" i="1">
+                            <a:latin typeface="Cambria Math" panose="02040503050406030204" pitchFamily="18" charset="0"/>
+                          </a:rPr>
                         </m:ctrlPr>
                       </m:fPr>
                       <m:num>
                         <m:r>
-                          <a:rPr lang="en-US" altLang="ja-JP" i="1"/>
+                          <a:rPr lang="en-US" altLang="ja-JP" i="1">
+                            <a:latin typeface="Cambria Math" panose="02040503050406030204" pitchFamily="18" charset="0"/>
+                          </a:rPr>
                           <m:t>𝑡𝑟𝑢𝑒</m:t>
                         </m:r>
                         <m:r>
-                          <a:rPr lang="en-US" altLang="ja-JP" i="1"/>
+                          <a:rPr lang="en-US" altLang="ja-JP" i="1">
+                            <a:latin typeface="Cambria Math" panose="02040503050406030204" pitchFamily="18" charset="0"/>
+                          </a:rPr>
                           <m:t> </m:t>
                         </m:r>
                         <m:r>
-                          <a:rPr lang="en-US" altLang="ja-JP" i="1"/>
+                          <a:rPr lang="en-US" altLang="ja-JP" i="1">
+                            <a:latin typeface="Cambria Math" panose="02040503050406030204" pitchFamily="18" charset="0"/>
+                          </a:rPr>
                           <m:t>𝑝𝑜𝑠𝑖𝑡𝑖𝑣𝑒</m:t>
                         </m:r>
                       </m:num>
                       <m:den>
                         <m:r>
-                          <a:rPr lang="en-US" altLang="ja-JP" i="1"/>
+                          <a:rPr lang="en-US" altLang="ja-JP" i="1">
+                            <a:latin typeface="Cambria Math" panose="02040503050406030204" pitchFamily="18" charset="0"/>
+                          </a:rPr>
                           <m:t>𝑡𝑟𝑢𝑒</m:t>
                         </m:r>
                         <m:r>
-                          <a:rPr lang="en-US" altLang="ja-JP" i="1"/>
+                          <a:rPr lang="en-US" altLang="ja-JP" i="1">
+                            <a:latin typeface="Cambria Math" panose="02040503050406030204" pitchFamily="18" charset="0"/>
+                          </a:rPr>
                           <m:t> </m:t>
                         </m:r>
                         <m:r>
-                          <a:rPr lang="en-US" altLang="ja-JP" i="1"/>
+                          <a:rPr lang="en-US" altLang="ja-JP" i="1">
+                            <a:latin typeface="Cambria Math" panose="02040503050406030204" pitchFamily="18" charset="0"/>
+                          </a:rPr>
                           <m:t>𝑝𝑜𝑠𝑖𝑡𝑖𝑣𝑒</m:t>
                         </m:r>
                         <m:r>
-                          <a:rPr lang="en-US" altLang="ja-JP" i="1"/>
+                          <a:rPr lang="en-US" altLang="ja-JP" i="1">
+                            <a:latin typeface="Cambria Math" panose="02040503050406030204" pitchFamily="18" charset="0"/>
+                          </a:rPr>
                           <m:t>+</m:t>
                         </m:r>
                         <m:r>
-                          <a:rPr lang="en-US" altLang="ja-JP" b="0" i="1" smtClean="0"/>
+                          <a:rPr lang="en-US" altLang="ja-JP" b="0" i="1" smtClean="0">
+                            <a:latin typeface="Cambria Math" panose="02040503050406030204" pitchFamily="18" charset="0"/>
+                          </a:rPr>
                           <m:t>𝑛𝑒𝑔𝑎𝑡𝑖𝑣𝑒</m:t>
                         </m:r>
                       </m:den>
@@ -7086,7 +7165,9 @@
                     <m:f>
                       <m:fPr>
                         <m:ctrlPr>
-                          <a:rPr lang="el-GR" altLang="ja-JP" i="1"/>
+                          <a:rPr lang="el-GR" altLang="ja-JP" i="1">
+                            <a:latin typeface="Cambria Math" panose="02040503050406030204" pitchFamily="18" charset="0"/>
+                          </a:rPr>
                         </m:ctrlPr>
                       </m:fPr>
                       <m:num>
@@ -7143,7 +7224,7 @@
             </p:txBody>
           </p:sp>
         </mc:Choice>
-        <mc:Fallback>
+        <mc:Fallback xmlns="">
           <p:sp>
             <p:nvSpPr>
               <p:cNvPr id="5" name="テキスト ボックス 4">
